--- a/docs/language-grouding.pptx
+++ b/docs/language-grouding.pptx
@@ -8,6 +8,11 @@
     <p:sldId id="256" r:id="rId2"/>
     <p:sldId id="257" r:id="rId3"/>
     <p:sldId id="258" r:id="rId4"/>
+    <p:sldId id="263" r:id="rId5"/>
+    <p:sldId id="259" r:id="rId6"/>
+    <p:sldId id="262" r:id="rId7"/>
+    <p:sldId id="260" r:id="rId8"/>
+    <p:sldId id="261" r:id="rId9"/>
   </p:sldIdLst>
   <p:sldSz cx="12192000" cy="6858000"/>
   <p:notesSz cx="6858000" cy="9144000"/>
@@ -106,13 +111,18 @@
       </a:defRPr>
     </a:lvl9pPr>
   </p:defaultTextStyle>
+  <p:extLst>
+    <p:ext uri="{EFAFB233-063F-42B5-8137-9DF3F51BA10A}">
+      <p15:sldGuideLst xmlns:p15="http://schemas.microsoft.com/office/powerpoint/2012/main"/>
+    </p:ext>
+  </p:extLst>
 </p:presentation>
 </file>
 
 <file path=ppt/revisionInfo.xml><?xml version="1.0" encoding="utf-8"?>
 <p1510:revInfo xmlns:a="http://schemas.openxmlformats.org/drawingml/2006/main" xmlns:r="http://schemas.openxmlformats.org/officeDocument/2006/relationships" xmlns:p1510="http://schemas.microsoft.com/office/powerpoint/2015/10/main">
   <p1510:revLst>
-    <p1510:client id="{6547A77A-48E9-48B6-81EA-157E12FF8E01}" v="2" dt="2022-06-13T09:52:25.537"/>
+    <p1510:client id="{6547A77A-48E9-48B6-81EA-157E12FF8E01}" v="21" dt="2022-06-22T15:31:20.329"/>
   </p1510:revLst>
 </p1510:revInfo>
 </file>
@@ -121,19 +131,19 @@
 <pc:chgInfo xmlns:a="http://schemas.openxmlformats.org/drawingml/2006/main" xmlns:r="http://schemas.openxmlformats.org/officeDocument/2006/relationships" xmlns:ac="http://schemas.microsoft.com/office/drawing/2013/main/command" xmlns:pc="http://schemas.microsoft.com/office/powerpoint/2013/main/command">
   <pc:docChgLst>
     <pc:chgData name="Binil Kuriachan" userId="687e57b9-0402-4953-9ec2-5b6ca9a33b47" providerId="ADAL" clId="{6547A77A-48E9-48B6-81EA-157E12FF8E01}"/>
-    <pc:docChg chg="custSel addSld modSld">
-      <pc:chgData name="Binil Kuriachan" userId="687e57b9-0402-4953-9ec2-5b6ca9a33b47" providerId="ADAL" clId="{6547A77A-48E9-48B6-81EA-157E12FF8E01}" dt="2022-06-13T09:52:33.801" v="63" actId="20577"/>
+    <pc:docChg chg="undo custSel addSld modSld">
+      <pc:chgData name="Binil Kuriachan" userId="687e57b9-0402-4953-9ec2-5b6ca9a33b47" providerId="ADAL" clId="{6547A77A-48E9-48B6-81EA-157E12FF8E01}" dt="2022-06-22T15:54:45.334" v="1767" actId="1076"/>
       <pc:docMkLst>
         <pc:docMk/>
       </pc:docMkLst>
       <pc:sldChg chg="delSp modSp mod">
-        <pc:chgData name="Binil Kuriachan" userId="687e57b9-0402-4953-9ec2-5b6ca9a33b47" providerId="ADAL" clId="{6547A77A-48E9-48B6-81EA-157E12FF8E01}" dt="2022-06-13T09:51:42.164" v="54" actId="1076"/>
+        <pc:chgData name="Binil Kuriachan" userId="687e57b9-0402-4953-9ec2-5b6ca9a33b47" providerId="ADAL" clId="{6547A77A-48E9-48B6-81EA-157E12FF8E01}" dt="2022-06-22T15:54:02.698" v="1764" actId="1076"/>
         <pc:sldMkLst>
           <pc:docMk/>
           <pc:sldMk cId="2244223419" sldId="256"/>
         </pc:sldMkLst>
         <pc:spChg chg="mod">
-          <ac:chgData name="Binil Kuriachan" userId="687e57b9-0402-4953-9ec2-5b6ca9a33b47" providerId="ADAL" clId="{6547A77A-48E9-48B6-81EA-157E12FF8E01}" dt="2022-06-13T09:51:42.164" v="54" actId="1076"/>
+          <ac:chgData name="Binil Kuriachan" userId="687e57b9-0402-4953-9ec2-5b6ca9a33b47" providerId="ADAL" clId="{6547A77A-48E9-48B6-81EA-157E12FF8E01}" dt="2022-06-22T15:54:02.698" v="1764" actId="1076"/>
           <ac:spMkLst>
             <pc:docMk/>
             <pc:sldMk cId="2244223419" sldId="256"/>
@@ -150,11 +160,19 @@
         </pc:spChg>
       </pc:sldChg>
       <pc:sldChg chg="addSp delSp modSp new mod">
-        <pc:chgData name="Binil Kuriachan" userId="687e57b9-0402-4953-9ec2-5b6ca9a33b47" providerId="ADAL" clId="{6547A77A-48E9-48B6-81EA-157E12FF8E01}" dt="2022-06-13T09:51:29.482" v="52" actId="1076"/>
+        <pc:chgData name="Binil Kuriachan" userId="687e57b9-0402-4953-9ec2-5b6ca9a33b47" providerId="ADAL" clId="{6547A77A-48E9-48B6-81EA-157E12FF8E01}" dt="2022-06-22T15:54:45.334" v="1767" actId="1076"/>
         <pc:sldMkLst>
           <pc:docMk/>
           <pc:sldMk cId="2629482047" sldId="257"/>
         </pc:sldMkLst>
+        <pc:spChg chg="add mod">
+          <ac:chgData name="Binil Kuriachan" userId="687e57b9-0402-4953-9ec2-5b6ca9a33b47" providerId="ADAL" clId="{6547A77A-48E9-48B6-81EA-157E12FF8E01}" dt="2022-06-22T15:54:45.334" v="1767" actId="1076"/>
+          <ac:spMkLst>
+            <pc:docMk/>
+            <pc:sldMk cId="2629482047" sldId="257"/>
+            <ac:spMk id="2" creationId="{6AE0C8DD-3436-6F45-D42D-D227C28559CD}"/>
+          </ac:spMkLst>
+        </pc:spChg>
         <pc:spChg chg="del mod">
           <ac:chgData name="Binil Kuriachan" userId="687e57b9-0402-4953-9ec2-5b6ca9a33b47" providerId="ADAL" clId="{6547A77A-48E9-48B6-81EA-157E12FF8E01}" dt="2022-06-13T09:51:05.910" v="37" actId="478"/>
           <ac:spMkLst>
@@ -163,12 +181,52 @@
             <ac:spMk id="2" creationId="{92DFD355-013A-A731-B274-703A084CCF21}"/>
           </ac:spMkLst>
         </pc:spChg>
+        <pc:spChg chg="add del mod">
+          <ac:chgData name="Binil Kuriachan" userId="687e57b9-0402-4953-9ec2-5b6ca9a33b47" providerId="ADAL" clId="{6547A77A-48E9-48B6-81EA-157E12FF8E01}" dt="2022-06-22T11:01:42.575" v="778" actId="21"/>
+          <ac:spMkLst>
+            <pc:docMk/>
+            <pc:sldMk cId="2629482047" sldId="257"/>
+            <ac:spMk id="2" creationId="{B6763BEB-0397-7B6E-CD81-5E2DB7D63566}"/>
+          </ac:spMkLst>
+        </pc:spChg>
+        <pc:spChg chg="del">
+          <ac:chgData name="Binil Kuriachan" userId="687e57b9-0402-4953-9ec2-5b6ca9a33b47" providerId="ADAL" clId="{6547A77A-48E9-48B6-81EA-157E12FF8E01}" dt="2022-06-22T10:32:50.508" v="304" actId="478"/>
+          <ac:spMkLst>
+            <pc:docMk/>
+            <pc:sldMk cId="2629482047" sldId="257"/>
+            <ac:spMk id="3" creationId="{85A3D64F-44FC-E221-FC10-080F15944234}"/>
+          </ac:spMkLst>
+        </pc:spChg>
         <pc:spChg chg="add mod">
-          <ac:chgData name="Binil Kuriachan" userId="687e57b9-0402-4953-9ec2-5b6ca9a33b47" providerId="ADAL" clId="{6547A77A-48E9-48B6-81EA-157E12FF8E01}" dt="2022-06-13T09:51:29.482" v="52" actId="1076"/>
+          <ac:chgData name="Binil Kuriachan" userId="687e57b9-0402-4953-9ec2-5b6ca9a33b47" providerId="ADAL" clId="{6547A77A-48E9-48B6-81EA-157E12FF8E01}" dt="2022-06-22T15:54:28.531" v="1765" actId="1076"/>
+          <ac:spMkLst>
+            <pc:docMk/>
+            <pc:sldMk cId="2629482047" sldId="257"/>
+            <ac:spMk id="3" creationId="{8AB76683-CC28-1C06-6D7E-C55E142D4AC9}"/>
+          </ac:spMkLst>
+        </pc:spChg>
+        <pc:spChg chg="add mod">
+          <ac:chgData name="Binil Kuriachan" userId="687e57b9-0402-4953-9ec2-5b6ca9a33b47" providerId="ADAL" clId="{6547A77A-48E9-48B6-81EA-157E12FF8E01}" dt="2022-06-22T10:36:27.808" v="400" actId="2711"/>
           <ac:spMkLst>
             <pc:docMk/>
             <pc:sldMk cId="2629482047" sldId="257"/>
             <ac:spMk id="4" creationId="{B8519478-20FE-DC53-6F4D-7FBF8E3F3FD8}"/>
+          </ac:spMkLst>
+        </pc:spChg>
+        <pc:spChg chg="add mod">
+          <ac:chgData name="Binil Kuriachan" userId="687e57b9-0402-4953-9ec2-5b6ca9a33b47" providerId="ADAL" clId="{6547A77A-48E9-48B6-81EA-157E12FF8E01}" dt="2022-06-22T10:58:27.302" v="646" actId="1036"/>
+          <ac:spMkLst>
+            <pc:docMk/>
+            <pc:sldMk cId="2629482047" sldId="257"/>
+            <ac:spMk id="5" creationId="{2F3BE6A9-CD0D-9AD8-8A7D-A6F36BBE087E}"/>
+          </ac:spMkLst>
+        </pc:spChg>
+        <pc:spChg chg="add mod">
+          <ac:chgData name="Binil Kuriachan" userId="687e57b9-0402-4953-9ec2-5b6ca9a33b47" providerId="ADAL" clId="{6547A77A-48E9-48B6-81EA-157E12FF8E01}" dt="2022-06-22T11:01:25.223" v="775" actId="1076"/>
+          <ac:spMkLst>
+            <pc:docMk/>
+            <pc:sldMk cId="2629482047" sldId="257"/>
+            <ac:spMk id="6" creationId="{152E6CD2-6697-DBFF-BBCB-24205F25E965}"/>
           </ac:spMkLst>
         </pc:spChg>
         <pc:spChg chg="add del mod">
@@ -179,18 +237,605 @@
             <ac:spMk id="6" creationId="{77C1A732-AF34-84D6-3B90-EA7AA51F0745}"/>
           </ac:spMkLst>
         </pc:spChg>
+        <pc:spChg chg="add mod">
+          <ac:chgData name="Binil Kuriachan" userId="687e57b9-0402-4953-9ec2-5b6ca9a33b47" providerId="ADAL" clId="{6547A77A-48E9-48B6-81EA-157E12FF8E01}" dt="2022-06-22T15:28:04.287" v="895" actId="113"/>
+          <ac:spMkLst>
+            <pc:docMk/>
+            <pc:sldMk cId="2629482047" sldId="257"/>
+            <ac:spMk id="7" creationId="{A2ED59E6-4BF7-EA34-2079-B4F42DD9B5EF}"/>
+          </ac:spMkLst>
+        </pc:spChg>
+        <pc:spChg chg="add mod">
+          <ac:chgData name="Binil Kuriachan" userId="687e57b9-0402-4953-9ec2-5b6ca9a33b47" providerId="ADAL" clId="{6547A77A-48E9-48B6-81EA-157E12FF8E01}" dt="2022-06-22T10:46:42.117" v="489" actId="1076"/>
+          <ac:spMkLst>
+            <pc:docMk/>
+            <pc:sldMk cId="2629482047" sldId="257"/>
+            <ac:spMk id="11" creationId="{99AA7B09-ACB1-0F6B-9F21-34516E6C17B2}"/>
+          </ac:spMkLst>
+        </pc:spChg>
+        <pc:spChg chg="add mod">
+          <ac:chgData name="Binil Kuriachan" userId="687e57b9-0402-4953-9ec2-5b6ca9a33b47" providerId="ADAL" clId="{6547A77A-48E9-48B6-81EA-157E12FF8E01}" dt="2022-06-22T15:33:55.490" v="932" actId="207"/>
+          <ac:spMkLst>
+            <pc:docMk/>
+            <pc:sldMk cId="2629482047" sldId="257"/>
+            <ac:spMk id="23" creationId="{F01CF4D9-836D-157E-B588-7F43F0C10B4B}"/>
+          </ac:spMkLst>
+        </pc:spChg>
+        <pc:spChg chg="add mod">
+          <ac:chgData name="Binil Kuriachan" userId="687e57b9-0402-4953-9ec2-5b6ca9a33b47" providerId="ADAL" clId="{6547A77A-48E9-48B6-81EA-157E12FF8E01}" dt="2022-06-22T10:58:27.302" v="646" actId="1036"/>
+          <ac:spMkLst>
+            <pc:docMk/>
+            <pc:sldMk cId="2629482047" sldId="257"/>
+            <ac:spMk id="26" creationId="{2EE12EA9-5376-9409-36F8-5DCD8DE4E112}"/>
+          </ac:spMkLst>
+        </pc:spChg>
+        <pc:spChg chg="add mod">
+          <ac:chgData name="Binil Kuriachan" userId="687e57b9-0402-4953-9ec2-5b6ca9a33b47" providerId="ADAL" clId="{6547A77A-48E9-48B6-81EA-157E12FF8E01}" dt="2022-06-22T15:35:44.581" v="985" actId="1076"/>
+          <ac:spMkLst>
+            <pc:docMk/>
+            <pc:sldMk cId="2629482047" sldId="257"/>
+            <ac:spMk id="37" creationId="{DB88E490-7415-B6D0-C40D-4FC84993AEDB}"/>
+          </ac:spMkLst>
+        </pc:spChg>
+        <pc:spChg chg="add mod">
+          <ac:chgData name="Binil Kuriachan" userId="687e57b9-0402-4953-9ec2-5b6ca9a33b47" providerId="ADAL" clId="{6547A77A-48E9-48B6-81EA-157E12FF8E01}" dt="2022-06-22T10:58:41.903" v="668" actId="1035"/>
+          <ac:spMkLst>
+            <pc:docMk/>
+            <pc:sldMk cId="2629482047" sldId="257"/>
+            <ac:spMk id="41" creationId="{C63CC7F2-1D68-860F-00CB-84DD6D0D8246}"/>
+          </ac:spMkLst>
+        </pc:spChg>
+        <pc:spChg chg="add del mod">
+          <ac:chgData name="Binil Kuriachan" userId="687e57b9-0402-4953-9ec2-5b6ca9a33b47" providerId="ADAL" clId="{6547A77A-48E9-48B6-81EA-157E12FF8E01}" dt="2022-06-22T10:56:17.894" v="604" actId="22"/>
+          <ac:spMkLst>
+            <pc:docMk/>
+            <pc:sldMk cId="2629482047" sldId="257"/>
+            <ac:spMk id="42" creationId="{EE81173A-D7DB-99D9-0670-5E7EC44B43D1}"/>
+          </ac:spMkLst>
+        </pc:spChg>
+        <pc:spChg chg="add del mod">
+          <ac:chgData name="Binil Kuriachan" userId="687e57b9-0402-4953-9ec2-5b6ca9a33b47" providerId="ADAL" clId="{6547A77A-48E9-48B6-81EA-157E12FF8E01}" dt="2022-06-22T10:56:17.894" v="604" actId="22"/>
+          <ac:spMkLst>
+            <pc:docMk/>
+            <pc:sldMk cId="2629482047" sldId="257"/>
+            <ac:spMk id="46" creationId="{A01A045B-7F3F-983A-0136-31E762481523}"/>
+          </ac:spMkLst>
+        </pc:spChg>
+        <pc:spChg chg="add mod">
+          <ac:chgData name="Binil Kuriachan" userId="687e57b9-0402-4953-9ec2-5b6ca9a33b47" providerId="ADAL" clId="{6547A77A-48E9-48B6-81EA-157E12FF8E01}" dt="2022-06-22T10:58:51.458" v="685" actId="1035"/>
+          <ac:spMkLst>
+            <pc:docMk/>
+            <pc:sldMk cId="2629482047" sldId="257"/>
+            <ac:spMk id="50" creationId="{33FA1EDC-AB4E-4B03-E546-708C543A157D}"/>
+          </ac:spMkLst>
+        </pc:spChg>
+        <pc:spChg chg="add del mod">
+          <ac:chgData name="Binil Kuriachan" userId="687e57b9-0402-4953-9ec2-5b6ca9a33b47" providerId="ADAL" clId="{6547A77A-48E9-48B6-81EA-157E12FF8E01}" dt="2022-06-22T10:57:45.209" v="626" actId="478"/>
+          <ac:spMkLst>
+            <pc:docMk/>
+            <pc:sldMk cId="2629482047" sldId="257"/>
+            <ac:spMk id="58" creationId="{5A3DAAD9-6A10-E0C9-2421-1B14BA4B9312}"/>
+          </ac:spMkLst>
+        </pc:spChg>
+        <pc:spChg chg="add mod">
+          <ac:chgData name="Binil Kuriachan" userId="687e57b9-0402-4953-9ec2-5b6ca9a33b47" providerId="ADAL" clId="{6547A77A-48E9-48B6-81EA-157E12FF8E01}" dt="2022-06-22T11:00:47.010" v="768" actId="20577"/>
+          <ac:spMkLst>
+            <pc:docMk/>
+            <pc:sldMk cId="2629482047" sldId="257"/>
+            <ac:spMk id="66" creationId="{AA42486D-5AD4-A497-4376-A02F8E30395E}"/>
+          </ac:spMkLst>
+        </pc:spChg>
+        <pc:spChg chg="add mod">
+          <ac:chgData name="Binil Kuriachan" userId="687e57b9-0402-4953-9ec2-5b6ca9a33b47" providerId="ADAL" clId="{6547A77A-48E9-48B6-81EA-157E12FF8E01}" dt="2022-06-22T11:01:31.818" v="776" actId="1076"/>
+          <ac:spMkLst>
+            <pc:docMk/>
+            <pc:sldMk cId="2629482047" sldId="257"/>
+            <ac:spMk id="67" creationId="{080E8188-C09E-A005-51CA-1BD0EA023A8E}"/>
+          </ac:spMkLst>
+        </pc:spChg>
+        <pc:spChg chg="add mod">
+          <ac:chgData name="Binil Kuriachan" userId="687e57b9-0402-4953-9ec2-5b6ca9a33b47" providerId="ADAL" clId="{6547A77A-48E9-48B6-81EA-157E12FF8E01}" dt="2022-06-22T15:30:31.233" v="903" actId="1076"/>
+          <ac:spMkLst>
+            <pc:docMk/>
+            <pc:sldMk cId="2629482047" sldId="257"/>
+            <ac:spMk id="69" creationId="{751AB07C-7D50-A212-6AE5-A3F462D01AD8}"/>
+          </ac:spMkLst>
+        </pc:spChg>
+        <pc:grpChg chg="add">
+          <ac:chgData name="Binil Kuriachan" userId="687e57b9-0402-4953-9ec2-5b6ca9a33b47" providerId="ADAL" clId="{6547A77A-48E9-48B6-81EA-157E12FF8E01}" dt="2022-06-22T15:32:30.104" v="923" actId="164"/>
+          <ac:grpSpMkLst>
+            <pc:docMk/>
+            <pc:sldMk cId="2629482047" sldId="257"/>
+            <ac:grpSpMk id="8" creationId="{1C11681B-26A0-E610-A4EE-61311CB94005}"/>
+          </ac:grpSpMkLst>
+        </pc:grpChg>
+        <pc:picChg chg="add mod">
+          <ac:chgData name="Binil Kuriachan" userId="687e57b9-0402-4953-9ec2-5b6ca9a33b47" providerId="ADAL" clId="{6547A77A-48E9-48B6-81EA-157E12FF8E01}" dt="2022-06-22T15:45:19.412" v="1325" actId="1076"/>
+          <ac:picMkLst>
+            <pc:docMk/>
+            <pc:sldMk cId="2629482047" sldId="257"/>
+            <ac:picMk id="25" creationId="{F1823415-37BF-ECA3-B2FF-A8CC3F603E67}"/>
+          </ac:picMkLst>
+        </pc:picChg>
+        <pc:picChg chg="add del mod">
+          <ac:chgData name="Binil Kuriachan" userId="687e57b9-0402-4953-9ec2-5b6ca9a33b47" providerId="ADAL" clId="{6547A77A-48E9-48B6-81EA-157E12FF8E01}" dt="2022-06-22T10:34:27.243" v="309" actId="478"/>
+          <ac:picMkLst>
+            <pc:docMk/>
+            <pc:sldMk cId="2629482047" sldId="257"/>
+            <ac:picMk id="1026" creationId="{E67794DD-082B-31D4-8B3E-27087B5498A9}"/>
+          </ac:picMkLst>
+        </pc:picChg>
+        <pc:picChg chg="add mod">
+          <ac:chgData name="Binil Kuriachan" userId="687e57b9-0402-4953-9ec2-5b6ca9a33b47" providerId="ADAL" clId="{6547A77A-48E9-48B6-81EA-157E12FF8E01}" dt="2022-06-22T10:47:02.016" v="492" actId="1076"/>
+          <ac:picMkLst>
+            <pc:docMk/>
+            <pc:sldMk cId="2629482047" sldId="257"/>
+            <ac:picMk id="1028" creationId="{F264FC8B-670A-C434-6334-040BCE0246E3}"/>
+          </ac:picMkLst>
+        </pc:picChg>
+        <pc:cxnChg chg="add del mod">
+          <ac:chgData name="Binil Kuriachan" userId="687e57b9-0402-4953-9ec2-5b6ca9a33b47" providerId="ADAL" clId="{6547A77A-48E9-48B6-81EA-157E12FF8E01}" dt="2022-06-22T10:42:26.517" v="461" actId="478"/>
+          <ac:cxnSpMkLst>
+            <pc:docMk/>
+            <pc:sldMk cId="2629482047" sldId="257"/>
+            <ac:cxnSpMk id="10" creationId="{A049935E-3C0A-C612-6E96-CEB2B5141300}"/>
+          </ac:cxnSpMkLst>
+        </pc:cxnChg>
+        <pc:cxnChg chg="add mod">
+          <ac:chgData name="Binil Kuriachan" userId="687e57b9-0402-4953-9ec2-5b6ca9a33b47" providerId="ADAL" clId="{6547A77A-48E9-48B6-81EA-157E12FF8E01}" dt="2022-06-22T11:03:42.065" v="790" actId="14100"/>
+          <ac:cxnSpMkLst>
+            <pc:docMk/>
+            <pc:sldMk cId="2629482047" sldId="257"/>
+            <ac:cxnSpMk id="13" creationId="{FF35216F-2AEB-2149-0098-531E722ED42F}"/>
+          </ac:cxnSpMkLst>
+        </pc:cxnChg>
+        <pc:cxnChg chg="add mod">
+          <ac:chgData name="Binil Kuriachan" userId="687e57b9-0402-4953-9ec2-5b6ca9a33b47" providerId="ADAL" clId="{6547A77A-48E9-48B6-81EA-157E12FF8E01}" dt="2022-06-22T10:58:27.302" v="646" actId="1036"/>
+          <ac:cxnSpMkLst>
+            <pc:docMk/>
+            <pc:sldMk cId="2629482047" sldId="257"/>
+            <ac:cxnSpMk id="28" creationId="{7823268B-9566-8AA8-68FB-416BDCB32745}"/>
+          </ac:cxnSpMkLst>
+        </pc:cxnChg>
+        <pc:cxnChg chg="add mod">
+          <ac:chgData name="Binil Kuriachan" userId="687e57b9-0402-4953-9ec2-5b6ca9a33b47" providerId="ADAL" clId="{6547A77A-48E9-48B6-81EA-157E12FF8E01}" dt="2022-06-22T10:58:27.302" v="646" actId="1036"/>
+          <ac:cxnSpMkLst>
+            <pc:docMk/>
+            <pc:sldMk cId="2629482047" sldId="257"/>
+            <ac:cxnSpMk id="31" creationId="{7448B527-8839-A86F-E1DD-AEAAA03D3607}"/>
+          </ac:cxnSpMkLst>
+        </pc:cxnChg>
+        <pc:cxnChg chg="add mod">
+          <ac:chgData name="Binil Kuriachan" userId="687e57b9-0402-4953-9ec2-5b6ca9a33b47" providerId="ADAL" clId="{6547A77A-48E9-48B6-81EA-157E12FF8E01}" dt="2022-06-22T11:03:14.069" v="784" actId="1076"/>
+          <ac:cxnSpMkLst>
+            <pc:docMk/>
+            <pc:sldMk cId="2629482047" sldId="257"/>
+            <ac:cxnSpMk id="39" creationId="{C8621593-58A1-3468-2550-20DB70735D54}"/>
+          </ac:cxnSpMkLst>
+        </pc:cxnChg>
+        <pc:cxnChg chg="add del mod">
+          <ac:chgData name="Binil Kuriachan" userId="687e57b9-0402-4953-9ec2-5b6ca9a33b47" providerId="ADAL" clId="{6547A77A-48E9-48B6-81EA-157E12FF8E01}" dt="2022-06-22T10:56:17.894" v="604" actId="22"/>
+          <ac:cxnSpMkLst>
+            <pc:docMk/>
+            <pc:sldMk cId="2629482047" sldId="257"/>
+            <ac:cxnSpMk id="44" creationId="{C7DF1BA8-E4CA-AB84-0A1D-D55F70D25B41}"/>
+          </ac:cxnSpMkLst>
+        </pc:cxnChg>
+        <pc:cxnChg chg="add mod">
+          <ac:chgData name="Binil Kuriachan" userId="687e57b9-0402-4953-9ec2-5b6ca9a33b47" providerId="ADAL" clId="{6547A77A-48E9-48B6-81EA-157E12FF8E01}" dt="2022-06-22T10:58:51.458" v="685" actId="1035"/>
+          <ac:cxnSpMkLst>
+            <pc:docMk/>
+            <pc:sldMk cId="2629482047" sldId="257"/>
+            <ac:cxnSpMk id="51" creationId="{03CF90F9-126F-E727-F919-45735958869E}"/>
+          </ac:cxnSpMkLst>
+        </pc:cxnChg>
+        <pc:cxnChg chg="add mod">
+          <ac:chgData name="Binil Kuriachan" userId="687e57b9-0402-4953-9ec2-5b6ca9a33b47" providerId="ADAL" clId="{6547A77A-48E9-48B6-81EA-157E12FF8E01}" dt="2022-06-22T10:58:51.458" v="685" actId="1035"/>
+          <ac:cxnSpMkLst>
+            <pc:docMk/>
+            <pc:sldMk cId="2629482047" sldId="257"/>
+            <ac:cxnSpMk id="53" creationId="{AF2BCEA3-FDCC-EF7B-12D3-59264AEE9419}"/>
+          </ac:cxnSpMkLst>
+        </pc:cxnChg>
+        <pc:cxnChg chg="add mod">
+          <ac:chgData name="Binil Kuriachan" userId="687e57b9-0402-4953-9ec2-5b6ca9a33b47" providerId="ADAL" clId="{6547A77A-48E9-48B6-81EA-157E12FF8E01}" dt="2022-06-22T10:58:41.903" v="668" actId="1035"/>
+          <ac:cxnSpMkLst>
+            <pc:docMk/>
+            <pc:sldMk cId="2629482047" sldId="257"/>
+            <ac:cxnSpMk id="61" creationId="{6F2BF25D-A6D9-3902-F10B-75C8637018B2}"/>
+          </ac:cxnSpMkLst>
+        </pc:cxnChg>
+        <pc:cxnChg chg="add mod">
+          <ac:chgData name="Binil Kuriachan" userId="687e57b9-0402-4953-9ec2-5b6ca9a33b47" providerId="ADAL" clId="{6547A77A-48E9-48B6-81EA-157E12FF8E01}" dt="2022-06-22T10:59:03.994" v="688" actId="14100"/>
+          <ac:cxnSpMkLst>
+            <pc:docMk/>
+            <pc:sldMk cId="2629482047" sldId="257"/>
+            <ac:cxnSpMk id="62" creationId="{4F5C076A-01A9-75A8-5AAE-FB0A2C24180F}"/>
+          </ac:cxnSpMkLst>
+        </pc:cxnChg>
       </pc:sldChg>
-      <pc:sldChg chg="modSp add mod">
-        <pc:chgData name="Binil Kuriachan" userId="687e57b9-0402-4953-9ec2-5b6ca9a33b47" providerId="ADAL" clId="{6547A77A-48E9-48B6-81EA-157E12FF8E01}" dt="2022-06-13T09:52:33.801" v="63" actId="20577"/>
+      <pc:sldChg chg="addSp delSp modSp add mod">
+        <pc:chgData name="Binil Kuriachan" userId="687e57b9-0402-4953-9ec2-5b6ca9a33b47" providerId="ADAL" clId="{6547A77A-48E9-48B6-81EA-157E12FF8E01}" dt="2022-06-22T15:53:31.040" v="1762" actId="14100"/>
         <pc:sldMkLst>
           <pc:docMk/>
           <pc:sldMk cId="660175624" sldId="258"/>
         </pc:sldMkLst>
+        <pc:spChg chg="add mod">
+          <ac:chgData name="Binil Kuriachan" userId="687e57b9-0402-4953-9ec2-5b6ca9a33b47" providerId="ADAL" clId="{6547A77A-48E9-48B6-81EA-157E12FF8E01}" dt="2022-06-22T15:53:31.040" v="1762" actId="14100"/>
+          <ac:spMkLst>
+            <pc:docMk/>
+            <pc:sldMk cId="660175624" sldId="258"/>
+            <ac:spMk id="2" creationId="{F8ACF4F6-5D3C-D3E1-FBB5-9D141E2876A7}"/>
+          </ac:spMkLst>
+        </pc:spChg>
+        <pc:spChg chg="del">
+          <ac:chgData name="Binil Kuriachan" userId="687e57b9-0402-4953-9ec2-5b6ca9a33b47" providerId="ADAL" clId="{6547A77A-48E9-48B6-81EA-157E12FF8E01}" dt="2022-06-14T09:47:55.327" v="64" actId="478"/>
+          <ac:spMkLst>
+            <pc:docMk/>
+            <pc:sldMk cId="660175624" sldId="258"/>
+            <ac:spMk id="3" creationId="{85A3D64F-44FC-E221-FC10-080F15944234}"/>
+          </ac:spMkLst>
+        </pc:spChg>
         <pc:spChg chg="mod">
-          <ac:chgData name="Binil Kuriachan" userId="687e57b9-0402-4953-9ec2-5b6ca9a33b47" providerId="ADAL" clId="{6547A77A-48E9-48B6-81EA-157E12FF8E01}" dt="2022-06-13T09:52:33.801" v="63" actId="20577"/>
+          <ac:chgData name="Binil Kuriachan" userId="687e57b9-0402-4953-9ec2-5b6ca9a33b47" providerId="ADAL" clId="{6547A77A-48E9-48B6-81EA-157E12FF8E01}" dt="2022-06-22T11:27:33.652" v="799" actId="20577"/>
           <ac:spMkLst>
             <pc:docMk/>
             <pc:sldMk cId="660175624" sldId="258"/>
+            <ac:spMk id="4" creationId="{B8519478-20FE-DC53-6F4D-7FBF8E3F3FD8}"/>
+          </ac:spMkLst>
+        </pc:spChg>
+      </pc:sldChg>
+      <pc:sldChg chg="addSp delSp modSp add mod">
+        <pc:chgData name="Binil Kuriachan" userId="687e57b9-0402-4953-9ec2-5b6ca9a33b47" providerId="ADAL" clId="{6547A77A-48E9-48B6-81EA-157E12FF8E01}" dt="2022-06-14T12:03:38.340" v="299" actId="1076"/>
+        <pc:sldMkLst>
+          <pc:docMk/>
+          <pc:sldMk cId="1157356948" sldId="259"/>
+        </pc:sldMkLst>
+        <pc:spChg chg="mod">
+          <ac:chgData name="Binil Kuriachan" userId="687e57b9-0402-4953-9ec2-5b6ca9a33b47" providerId="ADAL" clId="{6547A77A-48E9-48B6-81EA-157E12FF8E01}" dt="2022-06-14T11:35:31.150" v="93" actId="1076"/>
+          <ac:spMkLst>
+            <pc:docMk/>
+            <pc:sldMk cId="1157356948" sldId="259"/>
+            <ac:spMk id="4" creationId="{B8519478-20FE-DC53-6F4D-7FBF8E3F3FD8}"/>
+          </ac:spMkLst>
+        </pc:spChg>
+        <pc:picChg chg="add mod">
+          <ac:chgData name="Binil Kuriachan" userId="687e57b9-0402-4953-9ec2-5b6ca9a33b47" providerId="ADAL" clId="{6547A77A-48E9-48B6-81EA-157E12FF8E01}" dt="2022-06-14T12:03:34.157" v="298" actId="1076"/>
+          <ac:picMkLst>
+            <pc:docMk/>
+            <pc:sldMk cId="1157356948" sldId="259"/>
+            <ac:picMk id="3" creationId="{D8551799-0DFC-3D1A-D09C-107497A79A49}"/>
+          </ac:picMkLst>
+        </pc:picChg>
+        <pc:picChg chg="add mod">
+          <ac:chgData name="Binil Kuriachan" userId="687e57b9-0402-4953-9ec2-5b6ca9a33b47" providerId="ADAL" clId="{6547A77A-48E9-48B6-81EA-157E12FF8E01}" dt="2022-06-14T11:59:45.416" v="270" actId="1076"/>
+          <ac:picMkLst>
+            <pc:docMk/>
+            <pc:sldMk cId="1157356948" sldId="259"/>
+            <ac:picMk id="5" creationId="{DBEE62D9-8348-50EF-2B4D-093AB42D3DF9}"/>
+          </ac:picMkLst>
+        </pc:picChg>
+        <pc:picChg chg="add mod">
+          <ac:chgData name="Binil Kuriachan" userId="687e57b9-0402-4953-9ec2-5b6ca9a33b47" providerId="ADAL" clId="{6547A77A-48E9-48B6-81EA-157E12FF8E01}" dt="2022-06-14T12:03:13.729" v="296" actId="14100"/>
+          <ac:picMkLst>
+            <pc:docMk/>
+            <pc:sldMk cId="1157356948" sldId="259"/>
+            <ac:picMk id="6" creationId="{1013AAF1-DE87-BA0E-9F09-0BAF00E14B7E}"/>
+          </ac:picMkLst>
+        </pc:picChg>
+        <pc:picChg chg="add mod">
+          <ac:chgData name="Binil Kuriachan" userId="687e57b9-0402-4953-9ec2-5b6ca9a33b47" providerId="ADAL" clId="{6547A77A-48E9-48B6-81EA-157E12FF8E01}" dt="2022-06-14T12:03:38.340" v="299" actId="1076"/>
+          <ac:picMkLst>
+            <pc:docMk/>
+            <pc:sldMk cId="1157356948" sldId="259"/>
+            <ac:picMk id="8" creationId="{BDE0B51C-FF92-AB5E-E423-9D1E92963091}"/>
+          </ac:picMkLst>
+        </pc:picChg>
+        <pc:picChg chg="add del mod">
+          <ac:chgData name="Binil Kuriachan" userId="687e57b9-0402-4953-9ec2-5b6ca9a33b47" providerId="ADAL" clId="{6547A77A-48E9-48B6-81EA-157E12FF8E01}" dt="2022-06-14T11:36:07.049" v="94" actId="21"/>
+          <ac:picMkLst>
+            <pc:docMk/>
+            <pc:sldMk cId="1157356948" sldId="259"/>
+            <ac:picMk id="10" creationId="{AF477C16-DBD5-AF3E-6C38-7924F712F7F1}"/>
+          </ac:picMkLst>
+        </pc:picChg>
+      </pc:sldChg>
+      <pc:sldChg chg="addSp delSp modSp add mod">
+        <pc:chgData name="Binil Kuriachan" userId="687e57b9-0402-4953-9ec2-5b6ca9a33b47" providerId="ADAL" clId="{6547A77A-48E9-48B6-81EA-157E12FF8E01}" dt="2022-06-14T11:51:52.422" v="229" actId="1076"/>
+        <pc:sldMkLst>
+          <pc:docMk/>
+          <pc:sldMk cId="272616795" sldId="260"/>
+        </pc:sldMkLst>
+        <pc:spChg chg="mod">
+          <ac:chgData name="Binil Kuriachan" userId="687e57b9-0402-4953-9ec2-5b6ca9a33b47" providerId="ADAL" clId="{6547A77A-48E9-48B6-81EA-157E12FF8E01}" dt="2022-06-14T11:37:29.785" v="120" actId="1076"/>
+          <ac:spMkLst>
+            <pc:docMk/>
+            <pc:sldMk cId="272616795" sldId="260"/>
+            <ac:spMk id="4" creationId="{B8519478-20FE-DC53-6F4D-7FBF8E3F3FD8}"/>
+          </ac:spMkLst>
+        </pc:spChg>
+        <pc:picChg chg="add del mod">
+          <ac:chgData name="Binil Kuriachan" userId="687e57b9-0402-4953-9ec2-5b6ca9a33b47" providerId="ADAL" clId="{6547A77A-48E9-48B6-81EA-157E12FF8E01}" dt="2022-06-14T11:48:51.158" v="176" actId="478"/>
+          <ac:picMkLst>
+            <pc:docMk/>
+            <pc:sldMk cId="272616795" sldId="260"/>
+            <ac:picMk id="2" creationId="{CD2A334E-4EF2-6580-0229-A18DB0B8F6EF}"/>
+          </ac:picMkLst>
+        </pc:picChg>
+        <pc:picChg chg="del">
+          <ac:chgData name="Binil Kuriachan" userId="687e57b9-0402-4953-9ec2-5b6ca9a33b47" providerId="ADAL" clId="{6547A77A-48E9-48B6-81EA-157E12FF8E01}" dt="2022-06-14T11:36:14.035" v="98" actId="478"/>
+          <ac:picMkLst>
+            <pc:docMk/>
+            <pc:sldMk cId="272616795" sldId="260"/>
+            <ac:picMk id="3" creationId="{D8551799-0DFC-3D1A-D09C-107497A79A49}"/>
+          </ac:picMkLst>
+        </pc:picChg>
+        <pc:picChg chg="del">
+          <ac:chgData name="Binil Kuriachan" userId="687e57b9-0402-4953-9ec2-5b6ca9a33b47" providerId="ADAL" clId="{6547A77A-48E9-48B6-81EA-157E12FF8E01}" dt="2022-06-14T11:36:13.515" v="97" actId="478"/>
+          <ac:picMkLst>
+            <pc:docMk/>
+            <pc:sldMk cId="272616795" sldId="260"/>
+            <ac:picMk id="6" creationId="{1013AAF1-DE87-BA0E-9F09-0BAF00E14B7E}"/>
+          </ac:picMkLst>
+        </pc:picChg>
+        <pc:picChg chg="del">
+          <ac:chgData name="Binil Kuriachan" userId="687e57b9-0402-4953-9ec2-5b6ca9a33b47" providerId="ADAL" clId="{6547A77A-48E9-48B6-81EA-157E12FF8E01}" dt="2022-06-14T11:36:12.791" v="96" actId="478"/>
+          <ac:picMkLst>
+            <pc:docMk/>
+            <pc:sldMk cId="272616795" sldId="260"/>
+            <ac:picMk id="8" creationId="{BDE0B51C-FF92-AB5E-E423-9D1E92963091}"/>
+          </ac:picMkLst>
+        </pc:picChg>
+        <pc:picChg chg="add del mod">
+          <ac:chgData name="Binil Kuriachan" userId="687e57b9-0402-4953-9ec2-5b6ca9a33b47" providerId="ADAL" clId="{6547A77A-48E9-48B6-81EA-157E12FF8E01}" dt="2022-06-14T11:48:52.478" v="178" actId="478"/>
+          <ac:picMkLst>
+            <pc:docMk/>
+            <pc:sldMk cId="272616795" sldId="260"/>
+            <ac:picMk id="9" creationId="{58EC546B-7C31-32BE-BAE5-2EF0782771EA}"/>
+          </ac:picMkLst>
+        </pc:picChg>
+        <pc:picChg chg="add del mod">
+          <ac:chgData name="Binil Kuriachan" userId="687e57b9-0402-4953-9ec2-5b6ca9a33b47" providerId="ADAL" clId="{6547A77A-48E9-48B6-81EA-157E12FF8E01}" dt="2022-06-14T11:39:10.380" v="135" actId="478"/>
+          <ac:picMkLst>
+            <pc:docMk/>
+            <pc:sldMk cId="272616795" sldId="260"/>
+            <ac:picMk id="11" creationId="{8CE8C535-FF15-F9AB-CE75-196ED99D401C}"/>
+          </ac:picMkLst>
+        </pc:picChg>
+        <pc:picChg chg="add del mod">
+          <ac:chgData name="Binil Kuriachan" userId="687e57b9-0402-4953-9ec2-5b6ca9a33b47" providerId="ADAL" clId="{6547A77A-48E9-48B6-81EA-157E12FF8E01}" dt="2022-06-14T11:48:53.582" v="180" actId="478"/>
+          <ac:picMkLst>
+            <pc:docMk/>
+            <pc:sldMk cId="272616795" sldId="260"/>
+            <ac:picMk id="13" creationId="{18D133A6-0D8C-3C11-E154-036A52CA9B06}"/>
+          </ac:picMkLst>
+        </pc:picChg>
+        <pc:picChg chg="add del mod">
+          <ac:chgData name="Binil Kuriachan" userId="687e57b9-0402-4953-9ec2-5b6ca9a33b47" providerId="ADAL" clId="{6547A77A-48E9-48B6-81EA-157E12FF8E01}" dt="2022-06-14T11:40:22.025" v="140" actId="478"/>
+          <ac:picMkLst>
+            <pc:docMk/>
+            <pc:sldMk cId="272616795" sldId="260"/>
+            <ac:picMk id="15" creationId="{392D81C5-54FC-D70E-91F1-3C24EBC0AF51}"/>
+          </ac:picMkLst>
+        </pc:picChg>
+        <pc:picChg chg="add del mod">
+          <ac:chgData name="Binil Kuriachan" userId="687e57b9-0402-4953-9ec2-5b6ca9a33b47" providerId="ADAL" clId="{6547A77A-48E9-48B6-81EA-157E12FF8E01}" dt="2022-06-14T11:48:53.057" v="179" actId="478"/>
+          <ac:picMkLst>
+            <pc:docMk/>
+            <pc:sldMk cId="272616795" sldId="260"/>
+            <ac:picMk id="17" creationId="{AEFDA174-DAC6-50CB-83A8-C0D5C9964D74}"/>
+          </ac:picMkLst>
+        </pc:picChg>
+        <pc:picChg chg="add del mod">
+          <ac:chgData name="Binil Kuriachan" userId="687e57b9-0402-4953-9ec2-5b6ca9a33b47" providerId="ADAL" clId="{6547A77A-48E9-48B6-81EA-157E12FF8E01}" dt="2022-06-14T11:48:51.941" v="177" actId="478"/>
+          <ac:picMkLst>
+            <pc:docMk/>
+            <pc:sldMk cId="272616795" sldId="260"/>
+            <ac:picMk id="19" creationId="{D72530D8-1F4D-CB3C-81B0-B369B199A0A2}"/>
+          </ac:picMkLst>
+        </pc:picChg>
+        <pc:picChg chg="add mod">
+          <ac:chgData name="Binil Kuriachan" userId="687e57b9-0402-4953-9ec2-5b6ca9a33b47" providerId="ADAL" clId="{6547A77A-48E9-48B6-81EA-157E12FF8E01}" dt="2022-06-14T11:51:47.687" v="227" actId="14100"/>
+          <ac:picMkLst>
+            <pc:docMk/>
+            <pc:sldMk cId="272616795" sldId="260"/>
+            <ac:picMk id="21" creationId="{AC26BBE0-547C-82C2-E834-D9E3E39EB541}"/>
+          </ac:picMkLst>
+        </pc:picChg>
+        <pc:picChg chg="add del mod">
+          <ac:chgData name="Binil Kuriachan" userId="687e57b9-0402-4953-9ec2-5b6ca9a33b47" providerId="ADAL" clId="{6547A77A-48E9-48B6-81EA-157E12FF8E01}" dt="2022-06-14T11:48:40.171" v="172" actId="478"/>
+          <ac:picMkLst>
+            <pc:docMk/>
+            <pc:sldMk cId="272616795" sldId="260"/>
+            <ac:picMk id="23" creationId="{914C156B-0B55-8B0A-C7E3-06064513D932}"/>
+          </ac:picMkLst>
+        </pc:picChg>
+        <pc:picChg chg="add mod">
+          <ac:chgData name="Binil Kuriachan" userId="687e57b9-0402-4953-9ec2-5b6ca9a33b47" providerId="ADAL" clId="{6547A77A-48E9-48B6-81EA-157E12FF8E01}" dt="2022-06-14T11:51:44.560" v="226" actId="1076"/>
+          <ac:picMkLst>
+            <pc:docMk/>
+            <pc:sldMk cId="272616795" sldId="260"/>
+            <ac:picMk id="25" creationId="{095D28C7-7FC9-AB95-9D44-E2C6DF2FC684}"/>
+          </ac:picMkLst>
+        </pc:picChg>
+        <pc:picChg chg="add mod">
+          <ac:chgData name="Binil Kuriachan" userId="687e57b9-0402-4953-9ec2-5b6ca9a33b47" providerId="ADAL" clId="{6547A77A-48E9-48B6-81EA-157E12FF8E01}" dt="2022-06-14T11:51:52.422" v="229" actId="1076"/>
+          <ac:picMkLst>
+            <pc:docMk/>
+            <pc:sldMk cId="272616795" sldId="260"/>
+            <ac:picMk id="27" creationId="{3B2E35DC-AAFF-6F6A-6E1A-BC38FC95C3AF}"/>
+          </ac:picMkLst>
+        </pc:picChg>
+        <pc:picChg chg="add del mod">
+          <ac:chgData name="Binil Kuriachan" userId="687e57b9-0402-4953-9ec2-5b6ca9a33b47" providerId="ADAL" clId="{6547A77A-48E9-48B6-81EA-157E12FF8E01}" dt="2022-06-14T11:51:41.180" v="224" actId="478"/>
+          <ac:picMkLst>
+            <pc:docMk/>
+            <pc:sldMk cId="272616795" sldId="260"/>
+            <ac:picMk id="29" creationId="{3AFC0446-DCF8-B059-A5E0-72EAFFF0BE3D}"/>
+          </ac:picMkLst>
+        </pc:picChg>
+        <pc:picChg chg="add del mod">
+          <ac:chgData name="Binil Kuriachan" userId="687e57b9-0402-4953-9ec2-5b6ca9a33b47" providerId="ADAL" clId="{6547A77A-48E9-48B6-81EA-157E12FF8E01}" dt="2022-06-14T11:51:33.706" v="220" actId="22"/>
+          <ac:picMkLst>
+            <pc:docMk/>
+            <pc:sldMk cId="272616795" sldId="260"/>
+            <ac:picMk id="31" creationId="{E107258A-2F6A-EE1A-2043-0CAE4CF0A836}"/>
+          </ac:picMkLst>
+        </pc:picChg>
+      </pc:sldChg>
+      <pc:sldChg chg="delSp modSp add mod">
+        <pc:chgData name="Binil Kuriachan" userId="687e57b9-0402-4953-9ec2-5b6ca9a33b47" providerId="ADAL" clId="{6547A77A-48E9-48B6-81EA-157E12FF8E01}" dt="2022-06-14T12:04:34.217" v="303" actId="1076"/>
+        <pc:sldMkLst>
+          <pc:docMk/>
+          <pc:sldMk cId="3102878680" sldId="261"/>
+        </pc:sldMkLst>
+        <pc:spChg chg="mod">
+          <ac:chgData name="Binil Kuriachan" userId="687e57b9-0402-4953-9ec2-5b6ca9a33b47" providerId="ADAL" clId="{6547A77A-48E9-48B6-81EA-157E12FF8E01}" dt="2022-06-14T11:52:06.657" v="243" actId="20577"/>
+          <ac:spMkLst>
+            <pc:docMk/>
+            <pc:sldMk cId="3102878680" sldId="261"/>
+            <ac:spMk id="4" creationId="{B8519478-20FE-DC53-6F4D-7FBF8E3F3FD8}"/>
+          </ac:spMkLst>
+        </pc:spChg>
+        <pc:picChg chg="mod">
+          <ac:chgData name="Binil Kuriachan" userId="687e57b9-0402-4953-9ec2-5b6ca9a33b47" providerId="ADAL" clId="{6547A77A-48E9-48B6-81EA-157E12FF8E01}" dt="2022-06-14T12:04:34.217" v="303" actId="1076"/>
+          <ac:picMkLst>
+            <pc:docMk/>
+            <pc:sldMk cId="3102878680" sldId="261"/>
+            <ac:picMk id="2" creationId="{CD2A334E-4EF2-6580-0229-A18DB0B8F6EF}"/>
+          </ac:picMkLst>
+        </pc:picChg>
+        <pc:picChg chg="mod">
+          <ac:chgData name="Binil Kuriachan" userId="687e57b9-0402-4953-9ec2-5b6ca9a33b47" providerId="ADAL" clId="{6547A77A-48E9-48B6-81EA-157E12FF8E01}" dt="2022-06-14T12:04:31.417" v="302" actId="1076"/>
+          <ac:picMkLst>
+            <pc:docMk/>
+            <pc:sldMk cId="3102878680" sldId="261"/>
+            <ac:picMk id="9" creationId="{58EC546B-7C31-32BE-BAE5-2EF0782771EA}"/>
+          </ac:picMkLst>
+        </pc:picChg>
+        <pc:picChg chg="mod">
+          <ac:chgData name="Binil Kuriachan" userId="687e57b9-0402-4953-9ec2-5b6ca9a33b47" providerId="ADAL" clId="{6547A77A-48E9-48B6-81EA-157E12FF8E01}" dt="2022-06-14T11:52:32.912" v="252" actId="1076"/>
+          <ac:picMkLst>
+            <pc:docMk/>
+            <pc:sldMk cId="3102878680" sldId="261"/>
+            <ac:picMk id="13" creationId="{18D133A6-0D8C-3C11-E154-036A52CA9B06}"/>
+          </ac:picMkLst>
+        </pc:picChg>
+        <pc:picChg chg="mod">
+          <ac:chgData name="Binil Kuriachan" userId="687e57b9-0402-4953-9ec2-5b6ca9a33b47" providerId="ADAL" clId="{6547A77A-48E9-48B6-81EA-157E12FF8E01}" dt="2022-06-14T11:52:41.742" v="255" actId="14100"/>
+          <ac:picMkLst>
+            <pc:docMk/>
+            <pc:sldMk cId="3102878680" sldId="261"/>
+            <ac:picMk id="17" creationId="{AEFDA174-DAC6-50CB-83A8-C0D5C9964D74}"/>
+          </ac:picMkLst>
+        </pc:picChg>
+        <pc:picChg chg="mod">
+          <ac:chgData name="Binil Kuriachan" userId="687e57b9-0402-4953-9ec2-5b6ca9a33b47" providerId="ADAL" clId="{6547A77A-48E9-48B6-81EA-157E12FF8E01}" dt="2022-06-14T11:52:46.894" v="258" actId="14100"/>
+          <ac:picMkLst>
+            <pc:docMk/>
+            <pc:sldMk cId="3102878680" sldId="261"/>
+            <ac:picMk id="19" creationId="{D72530D8-1F4D-CB3C-81B0-B369B199A0A2}"/>
+          </ac:picMkLst>
+        </pc:picChg>
+        <pc:picChg chg="del">
+          <ac:chgData name="Binil Kuriachan" userId="687e57b9-0402-4953-9ec2-5b6ca9a33b47" providerId="ADAL" clId="{6547A77A-48E9-48B6-81EA-157E12FF8E01}" dt="2022-06-14T11:51:55.986" v="230" actId="478"/>
+          <ac:picMkLst>
+            <pc:docMk/>
+            <pc:sldMk cId="3102878680" sldId="261"/>
+            <ac:picMk id="21" creationId="{AC26BBE0-547C-82C2-E834-D9E3E39EB541}"/>
+          </ac:picMkLst>
+        </pc:picChg>
+        <pc:picChg chg="del">
+          <ac:chgData name="Binil Kuriachan" userId="687e57b9-0402-4953-9ec2-5b6ca9a33b47" providerId="ADAL" clId="{6547A77A-48E9-48B6-81EA-157E12FF8E01}" dt="2022-06-14T11:51:57.703" v="231" actId="478"/>
+          <ac:picMkLst>
+            <pc:docMk/>
+            <pc:sldMk cId="3102878680" sldId="261"/>
+            <ac:picMk id="25" creationId="{095D28C7-7FC9-AB95-9D44-E2C6DF2FC684}"/>
+          </ac:picMkLst>
+        </pc:picChg>
+      </pc:sldChg>
+      <pc:sldChg chg="addSp delSp modSp add mod">
+        <pc:chgData name="Binil Kuriachan" userId="687e57b9-0402-4953-9ec2-5b6ca9a33b47" providerId="ADAL" clId="{6547A77A-48E9-48B6-81EA-157E12FF8E01}" dt="2022-06-14T12:02:36.051" v="294" actId="1076"/>
+        <pc:sldMkLst>
+          <pc:docMk/>
+          <pc:sldMk cId="2638544194" sldId="262"/>
+        </pc:sldMkLst>
+        <pc:picChg chg="del">
+          <ac:chgData name="Binil Kuriachan" userId="687e57b9-0402-4953-9ec2-5b6ca9a33b47" providerId="ADAL" clId="{6547A77A-48E9-48B6-81EA-157E12FF8E01}" dt="2022-06-14T11:59:53.161" v="274" actId="478"/>
+          <ac:picMkLst>
+            <pc:docMk/>
+            <pc:sldMk cId="2638544194" sldId="262"/>
+            <ac:picMk id="3" creationId="{D8551799-0DFC-3D1A-D09C-107497A79A49}"/>
+          </ac:picMkLst>
+        </pc:picChg>
+        <pc:picChg chg="del">
+          <ac:chgData name="Binil Kuriachan" userId="687e57b9-0402-4953-9ec2-5b6ca9a33b47" providerId="ADAL" clId="{6547A77A-48E9-48B6-81EA-157E12FF8E01}" dt="2022-06-14T11:59:54.149" v="276" actId="478"/>
+          <ac:picMkLst>
+            <pc:docMk/>
+            <pc:sldMk cId="2638544194" sldId="262"/>
+            <ac:picMk id="5" creationId="{DBEE62D9-8348-50EF-2B4D-093AB42D3DF9}"/>
+          </ac:picMkLst>
+        </pc:picChg>
+        <pc:picChg chg="del">
+          <ac:chgData name="Binil Kuriachan" userId="687e57b9-0402-4953-9ec2-5b6ca9a33b47" providerId="ADAL" clId="{6547A77A-48E9-48B6-81EA-157E12FF8E01}" dt="2022-06-14T11:59:52.548" v="273" actId="478"/>
+          <ac:picMkLst>
+            <pc:docMk/>
+            <pc:sldMk cId="2638544194" sldId="262"/>
+            <ac:picMk id="6" creationId="{1013AAF1-DE87-BA0E-9F09-0BAF00E14B7E}"/>
+          </ac:picMkLst>
+        </pc:picChg>
+        <pc:picChg chg="add mod">
+          <ac:chgData name="Binil Kuriachan" userId="687e57b9-0402-4953-9ec2-5b6ca9a33b47" providerId="ADAL" clId="{6547A77A-48E9-48B6-81EA-157E12FF8E01}" dt="2022-06-14T12:01:09.004" v="288" actId="14100"/>
+          <ac:picMkLst>
+            <pc:docMk/>
+            <pc:sldMk cId="2638544194" sldId="262"/>
+            <ac:picMk id="7" creationId="{83105F0D-AC44-7694-F12C-9402B097192A}"/>
+          </ac:picMkLst>
+        </pc:picChg>
+        <pc:picChg chg="del">
+          <ac:chgData name="Binil Kuriachan" userId="687e57b9-0402-4953-9ec2-5b6ca9a33b47" providerId="ADAL" clId="{6547A77A-48E9-48B6-81EA-157E12FF8E01}" dt="2022-06-14T11:59:53.721" v="275" actId="478"/>
+          <ac:picMkLst>
+            <pc:docMk/>
+            <pc:sldMk cId="2638544194" sldId="262"/>
+            <ac:picMk id="8" creationId="{BDE0B51C-FF92-AB5E-E423-9D1E92963091}"/>
+          </ac:picMkLst>
+        </pc:picChg>
+        <pc:picChg chg="add mod">
+          <ac:chgData name="Binil Kuriachan" userId="687e57b9-0402-4953-9ec2-5b6ca9a33b47" providerId="ADAL" clId="{6547A77A-48E9-48B6-81EA-157E12FF8E01}" dt="2022-06-14T12:01:12.857" v="290" actId="1076"/>
+          <ac:picMkLst>
+            <pc:docMk/>
+            <pc:sldMk cId="2638544194" sldId="262"/>
+            <ac:picMk id="10" creationId="{BF857A78-7585-8F38-618A-77CDADF9C834}"/>
+          </ac:picMkLst>
+        </pc:picChg>
+        <pc:picChg chg="add mod">
+          <ac:chgData name="Binil Kuriachan" userId="687e57b9-0402-4953-9ec2-5b6ca9a33b47" providerId="ADAL" clId="{6547A77A-48E9-48B6-81EA-157E12FF8E01}" dt="2022-06-14T12:01:34.797" v="292" actId="1076"/>
+          <ac:picMkLst>
+            <pc:docMk/>
+            <pc:sldMk cId="2638544194" sldId="262"/>
+            <ac:picMk id="12" creationId="{7C2C9296-CB2D-75FB-1FEB-AB660E7A11FB}"/>
+          </ac:picMkLst>
+        </pc:picChg>
+        <pc:picChg chg="add mod">
+          <ac:chgData name="Binil Kuriachan" userId="687e57b9-0402-4953-9ec2-5b6ca9a33b47" providerId="ADAL" clId="{6547A77A-48E9-48B6-81EA-157E12FF8E01}" dt="2022-06-14T12:02:36.051" v="294" actId="1076"/>
+          <ac:picMkLst>
+            <pc:docMk/>
+            <pc:sldMk cId="2638544194" sldId="262"/>
+            <ac:picMk id="14" creationId="{426B9731-8E16-E56E-0AF8-2B85F27B4069}"/>
+          </ac:picMkLst>
+        </pc:picChg>
+      </pc:sldChg>
+      <pc:sldChg chg="modSp add mod">
+        <pc:chgData name="Binil Kuriachan" userId="687e57b9-0402-4953-9ec2-5b6ca9a33b47" providerId="ADAL" clId="{6547A77A-48E9-48B6-81EA-157E12FF8E01}" dt="2022-06-22T15:31:33.049" v="921" actId="20577"/>
+        <pc:sldMkLst>
+          <pc:docMk/>
+          <pc:sldMk cId="1984411339" sldId="263"/>
+        </pc:sldMkLst>
+        <pc:spChg chg="mod">
+          <ac:chgData name="Binil Kuriachan" userId="687e57b9-0402-4953-9ec2-5b6ca9a33b47" providerId="ADAL" clId="{6547A77A-48E9-48B6-81EA-157E12FF8E01}" dt="2022-06-22T15:31:33.049" v="921" actId="20577"/>
+          <ac:spMkLst>
+            <pc:docMk/>
+            <pc:sldMk cId="1984411339" sldId="263"/>
             <ac:spMk id="4" creationId="{B8519478-20FE-DC53-6F4D-7FBF8E3F3FD8}"/>
           </ac:spMkLst>
         </pc:spChg>
@@ -347,7 +992,7 @@
           <a:p>
             <a:fld id="{14418D24-C6C5-4ED3-9130-B32D225D52F3}" type="datetimeFigureOut">
               <a:rPr lang="en-US" smtClean="0"/>
-              <a:t>6/13/2022</a:t>
+              <a:t>6/22/2022</a:t>
             </a:fld>
             <a:endParaRPr lang="en-US"/>
           </a:p>
@@ -545,7 +1190,7 @@
           <a:p>
             <a:fld id="{14418D24-C6C5-4ED3-9130-B32D225D52F3}" type="datetimeFigureOut">
               <a:rPr lang="en-US" smtClean="0"/>
-              <a:t>6/13/2022</a:t>
+              <a:t>6/22/2022</a:t>
             </a:fld>
             <a:endParaRPr lang="en-US"/>
           </a:p>
@@ -753,7 +1398,7 @@
           <a:p>
             <a:fld id="{14418D24-C6C5-4ED3-9130-B32D225D52F3}" type="datetimeFigureOut">
               <a:rPr lang="en-US" smtClean="0"/>
-              <a:t>6/13/2022</a:t>
+              <a:t>6/22/2022</a:t>
             </a:fld>
             <a:endParaRPr lang="en-US"/>
           </a:p>
@@ -951,7 +1596,7 @@
           <a:p>
             <a:fld id="{14418D24-C6C5-4ED3-9130-B32D225D52F3}" type="datetimeFigureOut">
               <a:rPr lang="en-US" smtClean="0"/>
-              <a:t>6/13/2022</a:t>
+              <a:t>6/22/2022</a:t>
             </a:fld>
             <a:endParaRPr lang="en-US"/>
           </a:p>
@@ -1226,7 +1871,7 @@
           <a:p>
             <a:fld id="{14418D24-C6C5-4ED3-9130-B32D225D52F3}" type="datetimeFigureOut">
               <a:rPr lang="en-US" smtClean="0"/>
-              <a:t>6/13/2022</a:t>
+              <a:t>6/22/2022</a:t>
             </a:fld>
             <a:endParaRPr lang="en-US"/>
           </a:p>
@@ -1491,7 +2136,7 @@
           <a:p>
             <a:fld id="{14418D24-C6C5-4ED3-9130-B32D225D52F3}" type="datetimeFigureOut">
               <a:rPr lang="en-US" smtClean="0"/>
-              <a:t>6/13/2022</a:t>
+              <a:t>6/22/2022</a:t>
             </a:fld>
             <a:endParaRPr lang="en-US"/>
           </a:p>
@@ -1903,7 +2548,7 @@
           <a:p>
             <a:fld id="{14418D24-C6C5-4ED3-9130-B32D225D52F3}" type="datetimeFigureOut">
               <a:rPr lang="en-US" smtClean="0"/>
-              <a:t>6/13/2022</a:t>
+              <a:t>6/22/2022</a:t>
             </a:fld>
             <a:endParaRPr lang="en-US"/>
           </a:p>
@@ -2044,7 +2689,7 @@
           <a:p>
             <a:fld id="{14418D24-C6C5-4ED3-9130-B32D225D52F3}" type="datetimeFigureOut">
               <a:rPr lang="en-US" smtClean="0"/>
-              <a:t>6/13/2022</a:t>
+              <a:t>6/22/2022</a:t>
             </a:fld>
             <a:endParaRPr lang="en-US"/>
           </a:p>
@@ -2157,7 +2802,7 @@
           <a:p>
             <a:fld id="{14418D24-C6C5-4ED3-9130-B32D225D52F3}" type="datetimeFigureOut">
               <a:rPr lang="en-US" smtClean="0"/>
-              <a:t>6/13/2022</a:t>
+              <a:t>6/22/2022</a:t>
             </a:fld>
             <a:endParaRPr lang="en-US"/>
           </a:p>
@@ -2468,7 +3113,7 @@
           <a:p>
             <a:fld id="{14418D24-C6C5-4ED3-9130-B32D225D52F3}" type="datetimeFigureOut">
               <a:rPr lang="en-US" smtClean="0"/>
-              <a:t>6/13/2022</a:t>
+              <a:t>6/22/2022</a:t>
             </a:fld>
             <a:endParaRPr lang="en-US"/>
           </a:p>
@@ -2756,7 +3401,7 @@
           <a:p>
             <a:fld id="{14418D24-C6C5-4ED3-9130-B32D225D52F3}" type="datetimeFigureOut">
               <a:rPr lang="en-US" smtClean="0"/>
-              <a:t>6/13/2022</a:t>
+              <a:t>6/22/2022</a:t>
             </a:fld>
             <a:endParaRPr lang="en-US"/>
           </a:p>
@@ -2997,7 +3642,7 @@
           <a:p>
             <a:fld id="{14418D24-C6C5-4ED3-9130-B32D225D52F3}" type="datetimeFigureOut">
               <a:rPr lang="en-US" smtClean="0"/>
-              <a:t>6/13/2022</a:t>
+              <a:t>6/22/2022</a:t>
             </a:fld>
             <a:endParaRPr lang="en-US"/>
           </a:p>
@@ -3432,7 +4077,7 @@
         </p:nvSpPr>
         <p:spPr>
           <a:xfrm>
-            <a:off x="2189018" y="1662544"/>
+            <a:off x="2096655" y="1819562"/>
             <a:ext cx="8377382" cy="1163927"/>
           </a:xfrm>
         </p:spPr>
@@ -3487,31 +4132,6 @@
       </p:grpSpPr>
       <p:sp>
         <p:nvSpPr>
-          <p:cNvPr id="3" name="Content Placeholder 2">
-            <a:extLst>
-              <a:ext uri="{FF2B5EF4-FFF2-40B4-BE49-F238E27FC236}">
-                <a16:creationId xmlns:a16="http://schemas.microsoft.com/office/drawing/2014/main" id="{85A3D64F-44FC-E221-FC10-080F15944234}"/>
-              </a:ext>
-            </a:extLst>
-          </p:cNvPr>
-          <p:cNvSpPr>
-            <a:spLocks noGrp="1"/>
-          </p:cNvSpPr>
-          <p:nvPr>
-            <p:ph idx="1"/>
-          </p:nvPr>
-        </p:nvSpPr>
-        <p:spPr/>
-        <p:txBody>
-          <a:bodyPr/>
-          <a:lstStyle/>
-          <a:p>
-            <a:endParaRPr lang="en-US" dirty="0"/>
-          </a:p>
-        </p:txBody>
-      </p:sp>
-      <p:sp>
-        <p:nvSpPr>
           <p:cNvPr id="4" name="Title 7">
             <a:extLst>
               <a:ext uri="{FF2B5EF4-FFF2-40B4-BE49-F238E27FC236}">
@@ -3564,8 +4184,1177 @@
                     <a:lumMod val="75000"/>
                   </a:schemeClr>
                 </a:solidFill>
+                <a:latin typeface="Segoe UI" panose="020B0502040204020203" pitchFamily="34" charset="0"/>
+                <a:cs typeface="Segoe UI" panose="020B0502040204020203" pitchFamily="34" charset="0"/>
               </a:rPr>
               <a:t>Introduction</a:t>
+            </a:r>
+          </a:p>
+        </p:txBody>
+      </p:sp>
+      <p:pic>
+        <p:nvPicPr>
+          <p:cNvPr id="1028" name="Picture 4" descr="Image result for Database Icon Clip Art">
+            <a:extLst>
+              <a:ext uri="{FF2B5EF4-FFF2-40B4-BE49-F238E27FC236}">
+                <a16:creationId xmlns:a16="http://schemas.microsoft.com/office/drawing/2014/main" id="{F264FC8B-670A-C434-6334-040BCE0246E3}"/>
+              </a:ext>
+            </a:extLst>
+          </p:cNvPr>
+          <p:cNvPicPr>
+            <a:picLocks noChangeAspect="1" noChangeArrowheads="1"/>
+          </p:cNvPicPr>
+          <p:nvPr/>
+        </p:nvPicPr>
+        <p:blipFill>
+          <a:blip r:embed="rId2">
+            <a:extLst>
+              <a:ext uri="{28A0092B-C50C-407E-A947-70E740481C1C}">
+                <a14:useLocalDpi xmlns:a14="http://schemas.microsoft.com/office/drawing/2010/main" val="0"/>
+              </a:ext>
+            </a:extLst>
+          </a:blip>
+          <a:srcRect/>
+          <a:stretch>
+            <a:fillRect/>
+          </a:stretch>
+        </p:blipFill>
+        <p:spPr bwMode="auto">
+          <a:xfrm>
+            <a:off x="8104889" y="614132"/>
+            <a:ext cx="1271642" cy="1403191"/>
+          </a:xfrm>
+          <a:prstGeom prst="rect">
+            <a:avLst/>
+          </a:prstGeom>
+          <a:noFill/>
+          <a:extLst>
+            <a:ext uri="{909E8E84-426E-40DD-AFC4-6F175D3DCCD1}">
+              <a14:hiddenFill xmlns:a14="http://schemas.microsoft.com/office/drawing/2010/main">
+                <a:solidFill>
+                  <a:srgbClr val="FFFFFF"/>
+                </a:solidFill>
+              </a14:hiddenFill>
+            </a:ext>
+          </a:extLst>
+        </p:spPr>
+      </p:pic>
+      <p:sp>
+        <p:nvSpPr>
+          <p:cNvPr id="6" name="TextBox 5">
+            <a:extLst>
+              <a:ext uri="{FF2B5EF4-FFF2-40B4-BE49-F238E27FC236}">
+                <a16:creationId xmlns:a16="http://schemas.microsoft.com/office/drawing/2014/main" id="{152E6CD2-6697-DBFF-BBCB-24205F25E965}"/>
+              </a:ext>
+            </a:extLst>
+          </p:cNvPr>
+          <p:cNvSpPr txBox="1"/>
+          <p:nvPr/>
+        </p:nvSpPr>
+        <p:spPr>
+          <a:xfrm>
+            <a:off x="11170580" y="2063675"/>
+            <a:ext cx="979056" cy="369332"/>
+          </a:xfrm>
+          <a:prstGeom prst="rect">
+            <a:avLst/>
+          </a:prstGeom>
+          <a:noFill/>
+        </p:spPr>
+        <p:txBody>
+          <a:bodyPr wrap="square" rtlCol="0">
+            <a:spAutoFit/>
+          </a:bodyPr>
+          <a:lstStyle/>
+          <a:p>
+            <a:r>
+              <a:rPr lang="en-US" b="1" dirty="0"/>
+              <a:t>Task 1</a:t>
+            </a:r>
+          </a:p>
+        </p:txBody>
+      </p:sp>
+      <p:pic>
+        <p:nvPicPr>
+          <p:cNvPr id="25" name="Picture 24">
+            <a:extLst>
+              <a:ext uri="{FF2B5EF4-FFF2-40B4-BE49-F238E27FC236}">
+                <a16:creationId xmlns:a16="http://schemas.microsoft.com/office/drawing/2014/main" id="{F1823415-37BF-ECA3-B2FF-A8CC3F603E67}"/>
+              </a:ext>
+            </a:extLst>
+          </p:cNvPr>
+          <p:cNvPicPr>
+            <a:picLocks noChangeAspect="1"/>
+          </p:cNvPicPr>
+          <p:nvPr/>
+        </p:nvPicPr>
+        <p:blipFill>
+          <a:blip r:embed="rId3"/>
+          <a:stretch>
+            <a:fillRect/>
+          </a:stretch>
+        </p:blipFill>
+        <p:spPr>
+          <a:xfrm>
+            <a:off x="178629" y="3769353"/>
+            <a:ext cx="5042159" cy="1828894"/>
+          </a:xfrm>
+          <a:prstGeom prst="rect">
+            <a:avLst/>
+          </a:prstGeom>
+        </p:spPr>
+      </p:pic>
+      <p:sp>
+        <p:nvSpPr>
+          <p:cNvPr id="37" name="TextBox 36">
+            <a:extLst>
+              <a:ext uri="{FF2B5EF4-FFF2-40B4-BE49-F238E27FC236}">
+                <a16:creationId xmlns:a16="http://schemas.microsoft.com/office/drawing/2014/main" id="{DB88E490-7415-B6D0-C40D-4FC84993AEDB}"/>
+              </a:ext>
+            </a:extLst>
+          </p:cNvPr>
+          <p:cNvSpPr txBox="1"/>
+          <p:nvPr/>
+        </p:nvSpPr>
+        <p:spPr>
+          <a:xfrm>
+            <a:off x="10917382" y="3395779"/>
+            <a:ext cx="1274618" cy="646331"/>
+          </a:xfrm>
+          <a:prstGeom prst="rect">
+            <a:avLst/>
+          </a:prstGeom>
+          <a:noFill/>
+        </p:spPr>
+        <p:txBody>
+          <a:bodyPr wrap="square" rtlCol="0">
+            <a:spAutoFit/>
+          </a:bodyPr>
+          <a:lstStyle/>
+          <a:p>
+            <a:r>
+              <a:rPr lang="en-US" dirty="0"/>
+              <a:t>   Images</a:t>
+            </a:r>
+            <a:br>
+              <a:rPr lang="en-US" dirty="0"/>
+            </a:br>
+            <a:r>
+              <a:rPr lang="en-US" dirty="0"/>
+              <a:t>(ImageNet)</a:t>
+            </a:r>
+          </a:p>
+        </p:txBody>
+      </p:sp>
+      <p:cxnSp>
+        <p:nvCxnSpPr>
+          <p:cNvPr id="53" name="Connector: Elbow 52">
+            <a:extLst>
+              <a:ext uri="{FF2B5EF4-FFF2-40B4-BE49-F238E27FC236}">
+                <a16:creationId xmlns:a16="http://schemas.microsoft.com/office/drawing/2014/main" id="{AF2BCEA3-FDCC-EF7B-12D3-59264AEE9419}"/>
+              </a:ext>
+            </a:extLst>
+          </p:cNvPr>
+          <p:cNvCxnSpPr>
+            <a:cxnSpLocks/>
+            <a:endCxn id="50" idx="6"/>
+          </p:cNvCxnSpPr>
+          <p:nvPr/>
+        </p:nvCxnSpPr>
+        <p:spPr>
+          <a:xfrm rot="5400000">
+            <a:off x="8860258" y="4396412"/>
+            <a:ext cx="535208" cy="1109986"/>
+          </a:xfrm>
+          <a:prstGeom prst="bentConnector2">
+            <a:avLst/>
+          </a:prstGeom>
+          <a:ln w="28575"/>
+        </p:spPr>
+        <p:style>
+          <a:lnRef idx="1">
+            <a:schemeClr val="accent1"/>
+          </a:lnRef>
+          <a:fillRef idx="0">
+            <a:schemeClr val="accent1"/>
+          </a:fillRef>
+          <a:effectRef idx="0">
+            <a:schemeClr val="accent1"/>
+          </a:effectRef>
+          <a:fontRef idx="minor">
+            <a:schemeClr val="tx1"/>
+          </a:fontRef>
+        </p:style>
+      </p:cxnSp>
+      <p:cxnSp>
+        <p:nvCxnSpPr>
+          <p:cNvPr id="61" name="Straight Connector 60">
+            <a:extLst>
+              <a:ext uri="{FF2B5EF4-FFF2-40B4-BE49-F238E27FC236}">
+                <a16:creationId xmlns:a16="http://schemas.microsoft.com/office/drawing/2014/main" id="{6F2BF25D-A6D9-3902-F10B-75C8637018B2}"/>
+              </a:ext>
+            </a:extLst>
+          </p:cNvPr>
+          <p:cNvCxnSpPr>
+            <a:stCxn id="26" idx="4"/>
+            <a:endCxn id="23" idx="0"/>
+          </p:cNvCxnSpPr>
+          <p:nvPr/>
+        </p:nvCxnSpPr>
+        <p:spPr>
+          <a:xfrm>
+            <a:off x="9682855" y="3983852"/>
+            <a:ext cx="0" cy="196966"/>
+          </a:xfrm>
+          <a:prstGeom prst="line">
+            <a:avLst/>
+          </a:prstGeom>
+          <a:ln w="28575"/>
+        </p:spPr>
+        <p:style>
+          <a:lnRef idx="1">
+            <a:schemeClr val="accent1"/>
+          </a:lnRef>
+          <a:fillRef idx="0">
+            <a:schemeClr val="accent1"/>
+          </a:fillRef>
+          <a:effectRef idx="0">
+            <a:schemeClr val="accent1"/>
+          </a:effectRef>
+          <a:fontRef idx="minor">
+            <a:schemeClr val="tx1"/>
+          </a:fontRef>
+        </p:style>
+      </p:cxnSp>
+      <p:cxnSp>
+        <p:nvCxnSpPr>
+          <p:cNvPr id="62" name="Straight Connector 61">
+            <a:extLst>
+              <a:ext uri="{FF2B5EF4-FFF2-40B4-BE49-F238E27FC236}">
+                <a16:creationId xmlns:a16="http://schemas.microsoft.com/office/drawing/2014/main" id="{4F5C076A-01A9-75A8-5AAE-FB0A2C24180F}"/>
+              </a:ext>
+            </a:extLst>
+          </p:cNvPr>
+          <p:cNvCxnSpPr>
+            <a:cxnSpLocks/>
+          </p:cNvCxnSpPr>
+          <p:nvPr/>
+        </p:nvCxnSpPr>
+        <p:spPr>
+          <a:xfrm>
+            <a:off x="8266545" y="5525333"/>
+            <a:ext cx="0" cy="238158"/>
+          </a:xfrm>
+          <a:prstGeom prst="line">
+            <a:avLst/>
+          </a:prstGeom>
+          <a:ln w="28575"/>
+        </p:spPr>
+        <p:style>
+          <a:lnRef idx="1">
+            <a:schemeClr val="accent1"/>
+          </a:lnRef>
+          <a:fillRef idx="0">
+            <a:schemeClr val="accent1"/>
+          </a:fillRef>
+          <a:effectRef idx="0">
+            <a:schemeClr val="accent1"/>
+          </a:effectRef>
+          <a:fontRef idx="minor">
+            <a:schemeClr val="tx1"/>
+          </a:fontRef>
+        </p:style>
+      </p:cxnSp>
+      <p:grpSp>
+        <p:nvGrpSpPr>
+          <p:cNvPr id="8" name="Group 7">
+            <a:extLst>
+              <a:ext uri="{FF2B5EF4-FFF2-40B4-BE49-F238E27FC236}">
+                <a16:creationId xmlns:a16="http://schemas.microsoft.com/office/drawing/2014/main" id="{1C11681B-26A0-E610-A4EE-61311CB94005}"/>
+              </a:ext>
+            </a:extLst>
+          </p:cNvPr>
+          <p:cNvGrpSpPr/>
+          <p:nvPr/>
+        </p:nvGrpSpPr>
+        <p:grpSpPr>
+          <a:xfrm>
+            <a:off x="5660568" y="1300217"/>
+            <a:ext cx="6401513" cy="5414463"/>
+            <a:chOff x="5660568" y="1300217"/>
+            <a:chExt cx="6401513" cy="5414463"/>
+          </a:xfrm>
+        </p:grpSpPr>
+        <p:sp>
+          <p:nvSpPr>
+            <p:cNvPr id="5" name="Rectangle: Rounded Corners 4">
+              <a:extLst>
+                <a:ext uri="{FF2B5EF4-FFF2-40B4-BE49-F238E27FC236}">
+                  <a16:creationId xmlns:a16="http://schemas.microsoft.com/office/drawing/2014/main" id="{2F3BE6A9-CD0D-9AD8-8A7D-A6F36BBE087E}"/>
+                </a:ext>
+              </a:extLst>
+            </p:cNvPr>
+            <p:cNvSpPr/>
+            <p:nvPr/>
+          </p:nvSpPr>
+          <p:spPr>
+            <a:xfrm>
+              <a:off x="9799366" y="2410740"/>
+              <a:ext cx="2262715" cy="960463"/>
+            </a:xfrm>
+            <a:prstGeom prst="roundRect">
+              <a:avLst/>
+            </a:prstGeom>
+          </p:spPr>
+          <p:style>
+            <a:lnRef idx="2">
+              <a:schemeClr val="accent1">
+                <a:shade val="50000"/>
+              </a:schemeClr>
+            </a:lnRef>
+            <a:fillRef idx="1">
+              <a:schemeClr val="accent1"/>
+            </a:fillRef>
+            <a:effectRef idx="0">
+              <a:schemeClr val="accent1"/>
+            </a:effectRef>
+            <a:fontRef idx="minor">
+              <a:schemeClr val="lt1"/>
+            </a:fontRef>
+          </p:style>
+          <p:txBody>
+            <a:bodyPr rtlCol="0" anchor="ctr"/>
+            <a:lstStyle/>
+            <a:p>
+              <a:pPr algn="ctr"/>
+              <a:r>
+                <a:rPr lang="en-US" sz="1600" dirty="0">
+                  <a:latin typeface="Segoe UI" panose="020B0502040204020203" pitchFamily="34" charset="0"/>
+                  <a:cs typeface="Segoe UI" panose="020B0502040204020203" pitchFamily="34" charset="0"/>
+                </a:rPr>
+                <a:t>Named Entity Recognition</a:t>
+              </a:r>
+            </a:p>
+            <a:p>
+              <a:pPr algn="ctr"/>
+              <a:r>
+                <a:rPr lang="en-US" sz="1400" dirty="0">
+                  <a:latin typeface="Segoe UI" panose="020B0502040204020203" pitchFamily="34" charset="0"/>
+                  <a:cs typeface="Segoe UI" panose="020B0502040204020203" pitchFamily="34" charset="0"/>
+                </a:rPr>
+                <a:t>(Identify noun phrases)</a:t>
+              </a:r>
+            </a:p>
+          </p:txBody>
+        </p:sp>
+        <p:sp>
+          <p:nvSpPr>
+            <p:cNvPr id="7" name="Rectangle: Rounded Corners 6">
+              <a:extLst>
+                <a:ext uri="{FF2B5EF4-FFF2-40B4-BE49-F238E27FC236}">
+                  <a16:creationId xmlns:a16="http://schemas.microsoft.com/office/drawing/2014/main" id="{A2ED59E6-4BF7-EA34-2079-B4F42DD9B5EF}"/>
+                </a:ext>
+              </a:extLst>
+            </p:cNvPr>
+            <p:cNvSpPr/>
+            <p:nvPr/>
+          </p:nvSpPr>
+          <p:spPr>
+            <a:xfrm>
+              <a:off x="7279301" y="2410740"/>
+              <a:ext cx="2262715" cy="960463"/>
+            </a:xfrm>
+            <a:prstGeom prst="roundRect">
+              <a:avLst/>
+            </a:prstGeom>
+          </p:spPr>
+          <p:style>
+            <a:lnRef idx="2">
+              <a:schemeClr val="accent1">
+                <a:shade val="50000"/>
+              </a:schemeClr>
+            </a:lnRef>
+            <a:fillRef idx="1">
+              <a:schemeClr val="accent1"/>
+            </a:fillRef>
+            <a:effectRef idx="0">
+              <a:schemeClr val="accent1"/>
+            </a:effectRef>
+            <a:fontRef idx="minor">
+              <a:schemeClr val="lt1"/>
+            </a:fontRef>
+          </p:style>
+          <p:txBody>
+            <a:bodyPr rtlCol="0" anchor="ctr"/>
+            <a:lstStyle/>
+            <a:p>
+              <a:pPr algn="ctr"/>
+              <a:r>
+                <a:rPr lang="en-US" sz="1600" b="1" dirty="0">
+                  <a:latin typeface="Segoe UI" panose="020B0502040204020203" pitchFamily="34" charset="0"/>
+                  <a:cs typeface="Segoe UI" panose="020B0502040204020203" pitchFamily="34" charset="0"/>
+                </a:rPr>
+                <a:t>Model</a:t>
+              </a:r>
+            </a:p>
+            <a:p>
+              <a:pPr algn="ctr"/>
+              <a:r>
+                <a:rPr lang="en-US" sz="1400" dirty="0">
+                  <a:latin typeface="Segoe UI" panose="020B0502040204020203" pitchFamily="34" charset="0"/>
+                  <a:cs typeface="Segoe UI" panose="020B0502040204020203" pitchFamily="34" charset="0"/>
+                </a:rPr>
+                <a:t>(Hierarchical + KB + MLN)</a:t>
+              </a:r>
+            </a:p>
+          </p:txBody>
+        </p:sp>
+        <p:sp>
+          <p:nvSpPr>
+            <p:cNvPr id="11" name="Arrow: Down 10">
+              <a:extLst>
+                <a:ext uri="{FF2B5EF4-FFF2-40B4-BE49-F238E27FC236}">
+                  <a16:creationId xmlns:a16="http://schemas.microsoft.com/office/drawing/2014/main" id="{99AA7B09-ACB1-0F6B-9F21-34516E6C17B2}"/>
+                </a:ext>
+              </a:extLst>
+            </p:cNvPr>
+            <p:cNvSpPr/>
+            <p:nvPr/>
+          </p:nvSpPr>
+          <p:spPr>
+            <a:xfrm>
+              <a:off x="10645036" y="1841395"/>
+              <a:ext cx="484632" cy="523221"/>
+            </a:xfrm>
+            <a:prstGeom prst="downArrow">
+              <a:avLst/>
+            </a:prstGeom>
+          </p:spPr>
+          <p:style>
+            <a:lnRef idx="2">
+              <a:schemeClr val="accent1">
+                <a:shade val="50000"/>
+              </a:schemeClr>
+            </a:lnRef>
+            <a:fillRef idx="1">
+              <a:schemeClr val="accent1"/>
+            </a:fillRef>
+            <a:effectRef idx="0">
+              <a:schemeClr val="accent1"/>
+            </a:effectRef>
+            <a:fontRef idx="minor">
+              <a:schemeClr val="lt1"/>
+            </a:fontRef>
+          </p:style>
+          <p:txBody>
+            <a:bodyPr rtlCol="0" anchor="ctr"/>
+            <a:lstStyle/>
+            <a:p>
+              <a:pPr algn="ctr"/>
+              <a:endParaRPr lang="en-US"/>
+            </a:p>
+          </p:txBody>
+        </p:sp>
+        <p:cxnSp>
+          <p:nvCxnSpPr>
+            <p:cNvPr id="13" name="Connector: Elbow 12">
+              <a:extLst>
+                <a:ext uri="{FF2B5EF4-FFF2-40B4-BE49-F238E27FC236}">
+                  <a16:creationId xmlns:a16="http://schemas.microsoft.com/office/drawing/2014/main" id="{FF35216F-2AEB-2149-0098-531E722ED42F}"/>
+                </a:ext>
+              </a:extLst>
+            </p:cNvPr>
+            <p:cNvCxnSpPr>
+              <a:cxnSpLocks/>
+              <a:stCxn id="1028" idx="3"/>
+            </p:cNvCxnSpPr>
+            <p:nvPr/>
+          </p:nvCxnSpPr>
+          <p:spPr>
+            <a:xfrm>
+              <a:off x="9376531" y="1315728"/>
+              <a:ext cx="1525189" cy="704041"/>
+            </a:xfrm>
+            <a:prstGeom prst="bentConnector3">
+              <a:avLst>
+                <a:gd name="adj1" fmla="val 99053"/>
+              </a:avLst>
+            </a:prstGeom>
+            <a:ln w="28575"/>
+          </p:spPr>
+          <p:style>
+            <a:lnRef idx="1">
+              <a:schemeClr val="accent1"/>
+            </a:lnRef>
+            <a:fillRef idx="0">
+              <a:schemeClr val="accent1"/>
+            </a:fillRef>
+            <a:effectRef idx="0">
+              <a:schemeClr val="accent1"/>
+            </a:effectRef>
+            <a:fontRef idx="minor">
+              <a:schemeClr val="tx1"/>
+            </a:fontRef>
+          </p:style>
+        </p:cxnSp>
+        <p:sp>
+          <p:nvSpPr>
+            <p:cNvPr id="23" name="Rectangle 22">
+              <a:extLst>
+                <a:ext uri="{FF2B5EF4-FFF2-40B4-BE49-F238E27FC236}">
+                  <a16:creationId xmlns:a16="http://schemas.microsoft.com/office/drawing/2014/main" id="{F01CF4D9-836D-157E-B588-7F43F0C10B4B}"/>
+                </a:ext>
+              </a:extLst>
+            </p:cNvPr>
+            <p:cNvSpPr/>
+            <p:nvPr/>
+          </p:nvSpPr>
+          <p:spPr>
+            <a:xfrm>
+              <a:off x="8602350" y="4180818"/>
+              <a:ext cx="2161010" cy="678469"/>
+            </a:xfrm>
+            <a:prstGeom prst="rect">
+              <a:avLst/>
+            </a:prstGeom>
+          </p:spPr>
+          <p:style>
+            <a:lnRef idx="2">
+              <a:schemeClr val="accent1">
+                <a:shade val="50000"/>
+              </a:schemeClr>
+            </a:lnRef>
+            <a:fillRef idx="1">
+              <a:schemeClr val="accent1"/>
+            </a:fillRef>
+            <a:effectRef idx="0">
+              <a:schemeClr val="accent1"/>
+            </a:effectRef>
+            <a:fontRef idx="minor">
+              <a:schemeClr val="lt1"/>
+            </a:fontRef>
+          </p:style>
+          <p:txBody>
+            <a:bodyPr rtlCol="0" anchor="ctr"/>
+            <a:lstStyle/>
+            <a:p>
+              <a:pPr algn="ctr"/>
+              <a:r>
+                <a:rPr lang="en-US" b="1" dirty="0"/>
+                <a:t>Top 10 affordance</a:t>
+              </a:r>
+            </a:p>
+          </p:txBody>
+        </p:sp>
+        <p:sp>
+          <p:nvSpPr>
+            <p:cNvPr id="26" name="Flowchart: Or 25">
+              <a:extLst>
+                <a:ext uri="{FF2B5EF4-FFF2-40B4-BE49-F238E27FC236}">
+                  <a16:creationId xmlns:a16="http://schemas.microsoft.com/office/drawing/2014/main" id="{2EE12EA9-5376-9409-36F8-5DCD8DE4E112}"/>
+                </a:ext>
+              </a:extLst>
+            </p:cNvPr>
+            <p:cNvSpPr/>
+            <p:nvPr/>
+          </p:nvSpPr>
+          <p:spPr>
+            <a:xfrm>
+              <a:off x="9376531" y="3371204"/>
+              <a:ext cx="612648" cy="612648"/>
+            </a:xfrm>
+            <a:prstGeom prst="flowChartOr">
+              <a:avLst/>
+            </a:prstGeom>
+          </p:spPr>
+          <p:style>
+            <a:lnRef idx="2">
+              <a:schemeClr val="accent1">
+                <a:shade val="50000"/>
+              </a:schemeClr>
+            </a:lnRef>
+            <a:fillRef idx="1">
+              <a:schemeClr val="accent1"/>
+            </a:fillRef>
+            <a:effectRef idx="0">
+              <a:schemeClr val="accent1"/>
+            </a:effectRef>
+            <a:fontRef idx="minor">
+              <a:schemeClr val="lt1"/>
+            </a:fontRef>
+          </p:style>
+          <p:txBody>
+            <a:bodyPr rtlCol="0" anchor="ctr"/>
+            <a:lstStyle/>
+            <a:p>
+              <a:pPr algn="ctr"/>
+              <a:endParaRPr lang="en-US"/>
+            </a:p>
+          </p:txBody>
+        </p:sp>
+        <p:cxnSp>
+          <p:nvCxnSpPr>
+            <p:cNvPr id="28" name="Connector: Elbow 27">
+              <a:extLst>
+                <a:ext uri="{FF2B5EF4-FFF2-40B4-BE49-F238E27FC236}">
+                  <a16:creationId xmlns:a16="http://schemas.microsoft.com/office/drawing/2014/main" id="{7823268B-9566-8AA8-68FB-416BDCB32745}"/>
+                </a:ext>
+              </a:extLst>
+            </p:cNvPr>
+            <p:cNvCxnSpPr>
+              <a:cxnSpLocks/>
+              <a:endCxn id="26" idx="2"/>
+            </p:cNvCxnSpPr>
+            <p:nvPr/>
+          </p:nvCxnSpPr>
+          <p:spPr>
+            <a:xfrm>
+              <a:off x="8266545" y="3371203"/>
+              <a:ext cx="1109986" cy="306325"/>
+            </a:xfrm>
+            <a:prstGeom prst="bentConnector3">
+              <a:avLst>
+                <a:gd name="adj1" fmla="val 73"/>
+              </a:avLst>
+            </a:prstGeom>
+            <a:ln w="28575"/>
+          </p:spPr>
+          <p:style>
+            <a:lnRef idx="1">
+              <a:schemeClr val="accent1"/>
+            </a:lnRef>
+            <a:fillRef idx="0">
+              <a:schemeClr val="accent1"/>
+            </a:fillRef>
+            <a:effectRef idx="0">
+              <a:schemeClr val="accent1"/>
+            </a:effectRef>
+            <a:fontRef idx="minor">
+              <a:schemeClr val="tx1"/>
+            </a:fontRef>
+          </p:style>
+        </p:cxnSp>
+        <p:cxnSp>
+          <p:nvCxnSpPr>
+            <p:cNvPr id="31" name="Connector: Elbow 30">
+              <a:extLst>
+                <a:ext uri="{FF2B5EF4-FFF2-40B4-BE49-F238E27FC236}">
+                  <a16:creationId xmlns:a16="http://schemas.microsoft.com/office/drawing/2014/main" id="{7448B527-8839-A86F-E1DD-AEAAA03D3607}"/>
+                </a:ext>
+              </a:extLst>
+            </p:cNvPr>
+            <p:cNvCxnSpPr>
+              <a:cxnSpLocks/>
+              <a:endCxn id="26" idx="6"/>
+            </p:cNvCxnSpPr>
+            <p:nvPr/>
+          </p:nvCxnSpPr>
+          <p:spPr>
+            <a:xfrm rot="10800000" flipV="1">
+              <a:off x="9989180" y="3371204"/>
+              <a:ext cx="992857" cy="306324"/>
+            </a:xfrm>
+            <a:prstGeom prst="bentConnector3">
+              <a:avLst>
+                <a:gd name="adj1" fmla="val 695"/>
+              </a:avLst>
+            </a:prstGeom>
+            <a:ln w="28575"/>
+          </p:spPr>
+          <p:style>
+            <a:lnRef idx="1">
+              <a:schemeClr val="accent1"/>
+            </a:lnRef>
+            <a:fillRef idx="0">
+              <a:schemeClr val="accent1"/>
+            </a:fillRef>
+            <a:effectRef idx="0">
+              <a:schemeClr val="accent1"/>
+            </a:effectRef>
+            <a:fontRef idx="minor">
+              <a:schemeClr val="tx1"/>
+            </a:fontRef>
+          </p:style>
+        </p:cxnSp>
+        <p:cxnSp>
+          <p:nvCxnSpPr>
+            <p:cNvPr id="39" name="Connector: Elbow 38">
+              <a:extLst>
+                <a:ext uri="{FF2B5EF4-FFF2-40B4-BE49-F238E27FC236}">
+                  <a16:creationId xmlns:a16="http://schemas.microsoft.com/office/drawing/2014/main" id="{C8621593-58A1-3468-2550-20DB70735D54}"/>
+                </a:ext>
+              </a:extLst>
+            </p:cNvPr>
+            <p:cNvCxnSpPr>
+              <a:cxnSpLocks/>
+            </p:cNvCxnSpPr>
+            <p:nvPr/>
+          </p:nvCxnSpPr>
+          <p:spPr>
+            <a:xfrm rot="5400000">
+              <a:off x="6011963" y="2021641"/>
+              <a:ext cx="2880601" cy="1437753"/>
+            </a:xfrm>
+            <a:prstGeom prst="bentConnector3">
+              <a:avLst>
+                <a:gd name="adj1" fmla="val 301"/>
+              </a:avLst>
+            </a:prstGeom>
+            <a:ln w="28575">
+              <a:tailEnd type="triangle"/>
+            </a:ln>
+          </p:spPr>
+          <p:style>
+            <a:lnRef idx="1">
+              <a:schemeClr val="accent1"/>
+            </a:lnRef>
+            <a:fillRef idx="0">
+              <a:schemeClr val="accent1"/>
+            </a:fillRef>
+            <a:effectRef idx="0">
+              <a:schemeClr val="accent1"/>
+            </a:effectRef>
+            <a:fontRef idx="minor">
+              <a:schemeClr val="tx1"/>
+            </a:fontRef>
+          </p:style>
+        </p:cxnSp>
+        <p:sp>
+          <p:nvSpPr>
+            <p:cNvPr id="41" name="Rectangle 40">
+              <a:extLst>
+                <a:ext uri="{FF2B5EF4-FFF2-40B4-BE49-F238E27FC236}">
+                  <a16:creationId xmlns:a16="http://schemas.microsoft.com/office/drawing/2014/main" id="{C63CC7F2-1D68-860F-00CB-84DD6D0D8246}"/>
+                </a:ext>
+              </a:extLst>
+            </p:cNvPr>
+            <p:cNvSpPr/>
+            <p:nvPr/>
+          </p:nvSpPr>
+          <p:spPr>
+            <a:xfrm>
+              <a:off x="5660568" y="4180818"/>
+              <a:ext cx="2161010" cy="678469"/>
+            </a:xfrm>
+            <a:prstGeom prst="rect">
+              <a:avLst/>
+            </a:prstGeom>
+          </p:spPr>
+          <p:style>
+            <a:lnRef idx="2">
+              <a:schemeClr val="accent1">
+                <a:shade val="50000"/>
+              </a:schemeClr>
+            </a:lnRef>
+            <a:fillRef idx="1">
+              <a:schemeClr val="accent1"/>
+            </a:fillRef>
+            <a:effectRef idx="0">
+              <a:schemeClr val="accent1"/>
+            </a:effectRef>
+            <a:fontRef idx="minor">
+              <a:schemeClr val="lt1"/>
+            </a:fontRef>
+          </p:style>
+          <p:txBody>
+            <a:bodyPr rtlCol="0" anchor="ctr"/>
+            <a:lstStyle/>
+            <a:p>
+              <a:pPr algn="ctr"/>
+              <a:r>
+                <a:rPr lang="en-US" dirty="0"/>
+                <a:t>Context</a:t>
+              </a:r>
+            </a:p>
+          </p:txBody>
+        </p:sp>
+        <p:sp>
+          <p:nvSpPr>
+            <p:cNvPr id="50" name="Flowchart: Or 49">
+              <a:extLst>
+                <a:ext uri="{FF2B5EF4-FFF2-40B4-BE49-F238E27FC236}">
+                  <a16:creationId xmlns:a16="http://schemas.microsoft.com/office/drawing/2014/main" id="{33FA1EDC-AB4E-4B03-E546-708C543A157D}"/>
+                </a:ext>
+              </a:extLst>
+            </p:cNvPr>
+            <p:cNvSpPr/>
+            <p:nvPr/>
+          </p:nvSpPr>
+          <p:spPr>
+            <a:xfrm>
+              <a:off x="7960221" y="4912685"/>
+              <a:ext cx="612648" cy="612648"/>
+            </a:xfrm>
+            <a:prstGeom prst="flowChartOr">
+              <a:avLst/>
+            </a:prstGeom>
+          </p:spPr>
+          <p:style>
+            <a:lnRef idx="2">
+              <a:schemeClr val="accent1">
+                <a:shade val="50000"/>
+              </a:schemeClr>
+            </a:lnRef>
+            <a:fillRef idx="1">
+              <a:schemeClr val="accent1"/>
+            </a:fillRef>
+            <a:effectRef idx="0">
+              <a:schemeClr val="accent1"/>
+            </a:effectRef>
+            <a:fontRef idx="minor">
+              <a:schemeClr val="lt1"/>
+            </a:fontRef>
+          </p:style>
+          <p:txBody>
+            <a:bodyPr rtlCol="0" anchor="ctr"/>
+            <a:lstStyle/>
+            <a:p>
+              <a:pPr algn="ctr"/>
+              <a:endParaRPr lang="en-US"/>
+            </a:p>
+          </p:txBody>
+        </p:sp>
+        <p:cxnSp>
+          <p:nvCxnSpPr>
+            <p:cNvPr id="51" name="Connector: Elbow 50">
+              <a:extLst>
+                <a:ext uri="{FF2B5EF4-FFF2-40B4-BE49-F238E27FC236}">
+                  <a16:creationId xmlns:a16="http://schemas.microsoft.com/office/drawing/2014/main" id="{03CF90F9-126F-E727-F919-45735958869E}"/>
+                </a:ext>
+              </a:extLst>
+            </p:cNvPr>
+            <p:cNvCxnSpPr>
+              <a:cxnSpLocks/>
+              <a:endCxn id="50" idx="2"/>
+            </p:cNvCxnSpPr>
+            <p:nvPr/>
+          </p:nvCxnSpPr>
+          <p:spPr>
+            <a:xfrm rot="16200000" flipH="1">
+              <a:off x="7083043" y="4341831"/>
+              <a:ext cx="535208" cy="1219148"/>
+            </a:xfrm>
+            <a:prstGeom prst="bentConnector2">
+              <a:avLst/>
+            </a:prstGeom>
+            <a:ln w="28575"/>
+          </p:spPr>
+          <p:style>
+            <a:lnRef idx="1">
+              <a:schemeClr val="accent1"/>
+            </a:lnRef>
+            <a:fillRef idx="0">
+              <a:schemeClr val="accent1"/>
+            </a:fillRef>
+            <a:effectRef idx="0">
+              <a:schemeClr val="accent1"/>
+            </a:effectRef>
+            <a:fontRef idx="minor">
+              <a:schemeClr val="tx1"/>
+            </a:fontRef>
+          </p:style>
+        </p:cxnSp>
+        <p:sp>
+          <p:nvSpPr>
+            <p:cNvPr id="66" name="Rectangle: Rounded Corners 65">
+              <a:extLst>
+                <a:ext uri="{FF2B5EF4-FFF2-40B4-BE49-F238E27FC236}">
+                  <a16:creationId xmlns:a16="http://schemas.microsoft.com/office/drawing/2014/main" id="{AA42486D-5AD4-A497-4376-A02F8E30395E}"/>
+                </a:ext>
+              </a:extLst>
+            </p:cNvPr>
+            <p:cNvSpPr/>
+            <p:nvPr/>
+          </p:nvSpPr>
+          <p:spPr>
+            <a:xfrm>
+              <a:off x="6096000" y="5754217"/>
+              <a:ext cx="4497630" cy="960463"/>
+            </a:xfrm>
+            <a:prstGeom prst="roundRect">
+              <a:avLst/>
+            </a:prstGeom>
+          </p:spPr>
+          <p:style>
+            <a:lnRef idx="2">
+              <a:schemeClr val="accent1">
+                <a:shade val="50000"/>
+              </a:schemeClr>
+            </a:lnRef>
+            <a:fillRef idx="1">
+              <a:schemeClr val="accent1"/>
+            </a:fillRef>
+            <a:effectRef idx="0">
+              <a:schemeClr val="accent1"/>
+            </a:effectRef>
+            <a:fontRef idx="minor">
+              <a:schemeClr val="lt1"/>
+            </a:fontRef>
+          </p:style>
+          <p:txBody>
+            <a:bodyPr rtlCol="0" anchor="ctr"/>
+            <a:lstStyle/>
+            <a:p>
+              <a:pPr algn="ctr"/>
+              <a:r>
+                <a:rPr lang="en-US" sz="1600" dirty="0">
+                  <a:latin typeface="Segoe UI" panose="020B0502040204020203" pitchFamily="34" charset="0"/>
+                  <a:cs typeface="Segoe UI" panose="020B0502040204020203" pitchFamily="34" charset="0"/>
+                </a:rPr>
+                <a:t>Downstream Applications</a:t>
+              </a:r>
+            </a:p>
+            <a:p>
+              <a:pPr algn="ctr"/>
+              <a:r>
+                <a:rPr lang="en-US" sz="1600" dirty="0">
+                  <a:latin typeface="Segoe UI" panose="020B0502040204020203" pitchFamily="34" charset="0"/>
+                  <a:cs typeface="Segoe UI" panose="020B0502040204020203" pitchFamily="34" charset="0"/>
+                </a:rPr>
+                <a:t>(</a:t>
+              </a:r>
+              <a:r>
+                <a:rPr lang="en-US" sz="1600" dirty="0" err="1">
+                  <a:latin typeface="Segoe UI" panose="020B0502040204020203" pitchFamily="34" charset="0"/>
+                  <a:cs typeface="Segoe UI" panose="020B0502040204020203" pitchFamily="34" charset="0"/>
+                </a:rPr>
+                <a:t>GrAffordQA</a:t>
+              </a:r>
+              <a:r>
+                <a:rPr lang="en-US" sz="1600" dirty="0">
+                  <a:latin typeface="Segoe UI" panose="020B0502040204020203" pitchFamily="34" charset="0"/>
+                  <a:cs typeface="Segoe UI" panose="020B0502040204020203" pitchFamily="34" charset="0"/>
+                </a:rPr>
+                <a:t>, </a:t>
+              </a:r>
+              <a:r>
+                <a:rPr lang="en-US" sz="1600" dirty="0" err="1">
+                  <a:latin typeface="Segoe UI" panose="020B0502040204020203" pitchFamily="34" charset="0"/>
+                  <a:cs typeface="Segoe UI" panose="020B0502040204020203" pitchFamily="34" charset="0"/>
+                </a:rPr>
+                <a:t>GrAnalogy</a:t>
+              </a:r>
+              <a:r>
+                <a:rPr lang="en-US" sz="1600" dirty="0">
+                  <a:latin typeface="Segoe UI" panose="020B0502040204020203" pitchFamily="34" charset="0"/>
+                  <a:cs typeface="Segoe UI" panose="020B0502040204020203" pitchFamily="34" charset="0"/>
+                </a:rPr>
+                <a:t>, </a:t>
+              </a:r>
+              <a:r>
+                <a:rPr lang="en-US" sz="1600" dirty="0" err="1">
+                  <a:latin typeface="Segoe UI" panose="020B0502040204020203" pitchFamily="34" charset="0"/>
+                  <a:cs typeface="Segoe UI" panose="020B0502040204020203" pitchFamily="34" charset="0"/>
+                </a:rPr>
+                <a:t>AffordanceKB</a:t>
+              </a:r>
+              <a:r>
+                <a:rPr lang="en-US" sz="1600" dirty="0">
+                  <a:latin typeface="Segoe UI" panose="020B0502040204020203" pitchFamily="34" charset="0"/>
+                  <a:cs typeface="Segoe UI" panose="020B0502040204020203" pitchFamily="34" charset="0"/>
+                </a:rPr>
+                <a:t>)</a:t>
+              </a:r>
+              <a:endParaRPr lang="en-US" sz="1400" dirty="0">
+                <a:latin typeface="Segoe UI" panose="020B0502040204020203" pitchFamily="34" charset="0"/>
+                <a:cs typeface="Segoe UI" panose="020B0502040204020203" pitchFamily="34" charset="0"/>
+              </a:endParaRPr>
+            </a:p>
+          </p:txBody>
+        </p:sp>
+      </p:grpSp>
+      <p:sp>
+        <p:nvSpPr>
+          <p:cNvPr id="67" name="TextBox 66">
+            <a:extLst>
+              <a:ext uri="{FF2B5EF4-FFF2-40B4-BE49-F238E27FC236}">
+                <a16:creationId xmlns:a16="http://schemas.microsoft.com/office/drawing/2014/main" id="{080E8188-C09E-A005-51CA-1BD0EA023A8E}"/>
+              </a:ext>
+            </a:extLst>
+          </p:cNvPr>
+          <p:cNvSpPr txBox="1"/>
+          <p:nvPr/>
+        </p:nvSpPr>
+        <p:spPr>
+          <a:xfrm>
+            <a:off x="7330263" y="2046464"/>
+            <a:ext cx="979056" cy="369332"/>
+          </a:xfrm>
+          <a:prstGeom prst="rect">
+            <a:avLst/>
+          </a:prstGeom>
+          <a:noFill/>
+        </p:spPr>
+        <p:txBody>
+          <a:bodyPr wrap="square" rtlCol="0">
+            <a:spAutoFit/>
+          </a:bodyPr>
+          <a:lstStyle/>
+          <a:p>
+            <a:r>
+              <a:rPr lang="en-US" b="1" dirty="0"/>
+              <a:t>Task 2</a:t>
+            </a:r>
+          </a:p>
+        </p:txBody>
+      </p:sp>
+      <p:sp>
+        <p:nvSpPr>
+          <p:cNvPr id="69" name="TextBox 68">
+            <a:extLst>
+              <a:ext uri="{FF2B5EF4-FFF2-40B4-BE49-F238E27FC236}">
+                <a16:creationId xmlns:a16="http://schemas.microsoft.com/office/drawing/2014/main" id="{751AB07C-7D50-A212-6AE5-A3F462D01AD8}"/>
+              </a:ext>
+            </a:extLst>
+          </p:cNvPr>
+          <p:cNvSpPr txBox="1"/>
+          <p:nvPr/>
+        </p:nvSpPr>
+        <p:spPr>
+          <a:xfrm>
+            <a:off x="7995898" y="209063"/>
+            <a:ext cx="1671780" cy="523220"/>
+          </a:xfrm>
+          <a:prstGeom prst="rect">
+            <a:avLst/>
+          </a:prstGeom>
+          <a:noFill/>
+        </p:spPr>
+        <p:txBody>
+          <a:bodyPr wrap="square" rtlCol="0">
+            <a:spAutoFit/>
+          </a:bodyPr>
+          <a:lstStyle/>
+          <a:p>
+            <a:r>
+              <a:rPr lang="en-US" sz="1400" b="1" dirty="0">
+                <a:latin typeface="Segoe UI" panose="020B0502040204020203" pitchFamily="34" charset="0"/>
+                <a:cs typeface="Segoe UI" panose="020B0502040204020203" pitchFamily="34" charset="0"/>
+              </a:rPr>
+              <a:t>       XGLUE</a:t>
+            </a:r>
+            <a:r>
+              <a:rPr lang="en-US" sz="1400" dirty="0">
+                <a:latin typeface="Segoe UI" panose="020B0502040204020203" pitchFamily="34" charset="0"/>
+                <a:cs typeface="Segoe UI" panose="020B0502040204020203" pitchFamily="34" charset="0"/>
+              </a:rPr>
+              <a:t> </a:t>
+            </a:r>
+          </a:p>
+          <a:p>
+            <a:r>
+              <a:rPr lang="en-US" sz="1400" dirty="0">
+                <a:latin typeface="Segoe UI" panose="020B0502040204020203" pitchFamily="34" charset="0"/>
+                <a:cs typeface="Segoe UI" panose="020B0502040204020203" pitchFamily="34" charset="0"/>
+              </a:rPr>
+              <a:t>( XLNI, PAWS-X)</a:t>
+            </a:r>
+          </a:p>
+        </p:txBody>
+      </p:sp>
+      <p:sp>
+        <p:nvSpPr>
+          <p:cNvPr id="2" name="TextBox 1">
+            <a:extLst>
+              <a:ext uri="{FF2B5EF4-FFF2-40B4-BE49-F238E27FC236}">
+                <a16:creationId xmlns:a16="http://schemas.microsoft.com/office/drawing/2014/main" id="{6AE0C8DD-3436-6F45-D42D-D227C28559CD}"/>
+              </a:ext>
+            </a:extLst>
+          </p:cNvPr>
+          <p:cNvSpPr txBox="1"/>
+          <p:nvPr/>
+        </p:nvSpPr>
+        <p:spPr>
+          <a:xfrm>
+            <a:off x="129919" y="1413643"/>
+            <a:ext cx="6484808" cy="1477328"/>
+          </a:xfrm>
+          <a:prstGeom prst="rect">
+            <a:avLst/>
+          </a:prstGeom>
+          <a:noFill/>
+        </p:spPr>
+        <p:txBody>
+          <a:bodyPr wrap="square" rtlCol="0">
+            <a:spAutoFit/>
+          </a:bodyPr>
+          <a:lstStyle/>
+          <a:p>
+            <a:pPr algn="l"/>
+            <a:r>
+              <a:rPr lang="en-US" b="1" dirty="0">
+                <a:latin typeface="LMRoman10-Regular-Identity-H"/>
+              </a:rPr>
+              <a:t>Language Grounding – Objective:</a:t>
+            </a:r>
+            <a:br>
+              <a:rPr lang="en-US" dirty="0">
+                <a:latin typeface="LMRoman10-Regular-Identity-H"/>
+              </a:rPr>
+            </a:br>
+            <a:endParaRPr lang="en-US" sz="1800" b="0" i="0" u="none" strike="noStrike" baseline="0" dirty="0">
+              <a:latin typeface="LMRoman10-Regular-Identity-H"/>
+            </a:endParaRPr>
+          </a:p>
+          <a:p>
+            <a:pPr marL="342900" indent="-342900" algn="l">
+              <a:buAutoNum type="arabicPeriod"/>
+            </a:pPr>
+            <a:r>
+              <a:rPr lang="en-US" sz="1800" b="0" i="0" u="none" strike="noStrike" baseline="0" dirty="0">
+                <a:latin typeface="LMRoman10-Regular-Identity-H"/>
+              </a:rPr>
+              <a:t>learning textual representation that infuses knowledge of entity affordances and functionalities</a:t>
+            </a:r>
+            <a:endParaRPr lang="en-US" dirty="0">
+              <a:latin typeface="LMRoman10-Regular-Identity-H"/>
+            </a:endParaRPr>
+          </a:p>
+          <a:p>
+            <a:pPr marL="342900" indent="-342900" algn="l">
+              <a:buAutoNum type="arabicPeriod"/>
+            </a:pPr>
+            <a:r>
+              <a:rPr lang="en-US" dirty="0">
+                <a:latin typeface="LMRoman10-Regular-Identity-H"/>
+              </a:rPr>
+              <a:t>Reasoning with such representation</a:t>
+            </a:r>
+            <a:endParaRPr lang="en-US" dirty="0"/>
+          </a:p>
+        </p:txBody>
+      </p:sp>
+      <p:sp>
+        <p:nvSpPr>
+          <p:cNvPr id="3" name="TextBox 2">
+            <a:extLst>
+              <a:ext uri="{FF2B5EF4-FFF2-40B4-BE49-F238E27FC236}">
+                <a16:creationId xmlns:a16="http://schemas.microsoft.com/office/drawing/2014/main" id="{8AB76683-CC28-1C06-6D7E-C55E142D4AC9}"/>
+              </a:ext>
+            </a:extLst>
+          </p:cNvPr>
+          <p:cNvSpPr txBox="1"/>
+          <p:nvPr/>
+        </p:nvSpPr>
+        <p:spPr>
+          <a:xfrm>
+            <a:off x="2202821" y="3371203"/>
+            <a:ext cx="1024951" cy="369332"/>
+          </a:xfrm>
+          <a:prstGeom prst="rect">
+            <a:avLst/>
+          </a:prstGeom>
+          <a:noFill/>
+        </p:spPr>
+        <p:txBody>
+          <a:bodyPr wrap="square" rtlCol="0">
+            <a:spAutoFit/>
+          </a:bodyPr>
+          <a:lstStyle/>
+          <a:p>
+            <a:r>
+              <a:rPr lang="en-US" b="1" dirty="0"/>
+              <a:t>Model</a:t>
             </a:r>
           </a:p>
         </p:txBody>
@@ -3602,31 +5391,6 @@
       </p:grpSpPr>
       <p:sp>
         <p:nvSpPr>
-          <p:cNvPr id="3" name="Content Placeholder 2">
-            <a:extLst>
-              <a:ext uri="{FF2B5EF4-FFF2-40B4-BE49-F238E27FC236}">
-                <a16:creationId xmlns:a16="http://schemas.microsoft.com/office/drawing/2014/main" id="{85A3D64F-44FC-E221-FC10-080F15944234}"/>
-              </a:ext>
-            </a:extLst>
-          </p:cNvPr>
-          <p:cNvSpPr>
-            <a:spLocks noGrp="1"/>
-          </p:cNvSpPr>
-          <p:nvPr>
-            <p:ph idx="1"/>
-          </p:nvPr>
-        </p:nvSpPr>
-        <p:spPr/>
-        <p:txBody>
-          <a:bodyPr/>
-          <a:lstStyle/>
-          <a:p>
-            <a:endParaRPr lang="en-US" dirty="0"/>
-          </a:p>
-        </p:txBody>
-      </p:sp>
-      <p:sp>
-        <p:nvSpPr>
           <p:cNvPr id="4" name="Title 7">
             <a:extLst>
               <a:ext uri="{FF2B5EF4-FFF2-40B4-BE49-F238E27FC236}">
@@ -3673,22 +5437,120 @@
           </a:lstStyle>
           <a:p>
             <a:r>
-              <a:rPr lang="en-US" b="1">
+              <a:rPr lang="en-US" b="1" dirty="0">
                 <a:solidFill>
                   <a:schemeClr val="accent1">
                     <a:lumMod val="75000"/>
                   </a:schemeClr>
                 </a:solidFill>
               </a:rPr>
-              <a:t>Workflow</a:t>
-            </a:r>
-            <a:endParaRPr lang="en-US" b="1" dirty="0">
-              <a:solidFill>
-                <a:schemeClr val="accent1">
-                  <a:lumMod val="75000"/>
-                </a:schemeClr>
-              </a:solidFill>
-            </a:endParaRPr>
+              <a:t>Questions</a:t>
+            </a:r>
+          </a:p>
+        </p:txBody>
+      </p:sp>
+      <p:sp>
+        <p:nvSpPr>
+          <p:cNvPr id="2" name="TextBox 1">
+            <a:extLst>
+              <a:ext uri="{FF2B5EF4-FFF2-40B4-BE49-F238E27FC236}">
+                <a16:creationId xmlns:a16="http://schemas.microsoft.com/office/drawing/2014/main" id="{F8ACF4F6-5D3C-D3E1-FBB5-9D141E2876A7}"/>
+              </a:ext>
+            </a:extLst>
+          </p:cNvPr>
+          <p:cNvSpPr txBox="1"/>
+          <p:nvPr/>
+        </p:nvSpPr>
+        <p:spPr>
+          <a:xfrm>
+            <a:off x="434109" y="1560946"/>
+            <a:ext cx="11416146" cy="2062103"/>
+          </a:xfrm>
+          <a:prstGeom prst="rect">
+            <a:avLst/>
+          </a:prstGeom>
+          <a:noFill/>
+        </p:spPr>
+        <p:txBody>
+          <a:bodyPr wrap="square" rtlCol="0">
+            <a:spAutoFit/>
+          </a:bodyPr>
+          <a:lstStyle/>
+          <a:p>
+            <a:pPr marL="342900" indent="-342900">
+              <a:spcBef>
+                <a:spcPts val="600"/>
+              </a:spcBef>
+              <a:buAutoNum type="arabicPeriod"/>
+            </a:pPr>
+            <a:r>
+              <a:rPr lang="en-US" dirty="0">
+                <a:latin typeface="Segoe UI" panose="020B0502040204020203" pitchFamily="34" charset="0"/>
+                <a:cs typeface="Segoe UI" panose="020B0502040204020203" pitchFamily="34" charset="0"/>
+              </a:rPr>
+              <a:t>How can we get KB of those 40 objects ( We could not find it online)</a:t>
+            </a:r>
+          </a:p>
+          <a:p>
+            <a:pPr marL="342900" indent="-342900">
+              <a:spcBef>
+                <a:spcPts val="600"/>
+              </a:spcBef>
+              <a:buAutoNum type="arabicPeriod"/>
+            </a:pPr>
+            <a:r>
+              <a:rPr lang="en-US" dirty="0">
+                <a:latin typeface="Segoe UI" panose="020B0502040204020203" pitchFamily="34" charset="0"/>
+                <a:cs typeface="Segoe UI" panose="020B0502040204020203" pitchFamily="34" charset="0"/>
+              </a:rPr>
+              <a:t>From where should we feed the corresponding images for noun phrases (NER output) in the XGLUE data?</a:t>
+            </a:r>
+          </a:p>
+          <a:p>
+            <a:pPr marL="342900" indent="-342900">
+              <a:spcBef>
+                <a:spcPts val="600"/>
+              </a:spcBef>
+              <a:buAutoNum type="arabicPeriod"/>
+            </a:pPr>
+            <a:r>
+              <a:rPr lang="en-US" dirty="0">
+                <a:latin typeface="Segoe UI" panose="020B0502040204020203" pitchFamily="34" charset="0"/>
+                <a:cs typeface="Segoe UI" panose="020B0502040204020203" pitchFamily="34" charset="0"/>
+              </a:rPr>
+              <a:t>Ref: proposal page 2 footnotes – Do we need to consider person and location also? In the data set (parallel), most of the named entities are person, location etc.</a:t>
+            </a:r>
+          </a:p>
+          <a:p>
+            <a:pPr marL="342900" indent="-342900">
+              <a:spcBef>
+                <a:spcPts val="600"/>
+              </a:spcBef>
+              <a:buAutoNum type="arabicPeriod"/>
+            </a:pPr>
+            <a:r>
+              <a:rPr lang="en-US" dirty="0">
+                <a:latin typeface="Segoe UI" panose="020B0502040204020203" pitchFamily="34" charset="0"/>
+                <a:cs typeface="Segoe UI" panose="020B0502040204020203" pitchFamily="34" charset="0"/>
+              </a:rPr>
+              <a:t>Non-English – How do we plan to handle corresponding images of non-English text? (Translation?)</a:t>
+            </a:r>
+          </a:p>
+          <a:p>
+            <a:pPr marL="342900" indent="-342900">
+              <a:spcBef>
+                <a:spcPts val="600"/>
+              </a:spcBef>
+              <a:buFontTx/>
+              <a:buAutoNum type="arabicPeriod"/>
+            </a:pPr>
+            <a:r>
+              <a:rPr lang="en-US" dirty="0">
+                <a:latin typeface="Segoe UI" panose="020B0502040204020203" pitchFamily="34" charset="0"/>
+                <a:cs typeface="Segoe UI" panose="020B0502040204020203" pitchFamily="34" charset="0"/>
+              </a:rPr>
+              <a:t>Non-English – Do we need to create separate embeddings for all languages?</a:t>
+            </a:r>
           </a:p>
         </p:txBody>
       </p:sp>
@@ -3696,6 +5558,936 @@
     <p:extLst>
       <p:ext uri="{BB962C8B-B14F-4D97-AF65-F5344CB8AC3E}">
         <p14:creationId xmlns:p14="http://schemas.microsoft.com/office/powerpoint/2010/main" val="660175624"/>
+      </p:ext>
+    </p:extLst>
+  </p:cSld>
+  <p:clrMapOvr>
+    <a:masterClrMapping/>
+  </p:clrMapOvr>
+</p:sld>
+</file>
+
+<file path=ppt/slides/slide4.xml><?xml version="1.0" encoding="utf-8"?>
+<p:sld xmlns:a="http://schemas.openxmlformats.org/drawingml/2006/main" xmlns:r="http://schemas.openxmlformats.org/officeDocument/2006/relationships" xmlns:p="http://schemas.openxmlformats.org/presentationml/2006/main">
+  <p:cSld>
+    <p:spTree>
+      <p:nvGrpSpPr>
+        <p:cNvPr id="1" name=""/>
+        <p:cNvGrpSpPr/>
+        <p:nvPr/>
+      </p:nvGrpSpPr>
+      <p:grpSpPr>
+        <a:xfrm>
+          <a:off x="0" y="0"/>
+          <a:ext cx="0" cy="0"/>
+          <a:chOff x="0" y="0"/>
+          <a:chExt cx="0" cy="0"/>
+        </a:xfrm>
+      </p:grpSpPr>
+      <p:sp>
+        <p:nvSpPr>
+          <p:cNvPr id="4" name="Title 7">
+            <a:extLst>
+              <a:ext uri="{FF2B5EF4-FFF2-40B4-BE49-F238E27FC236}">
+                <a16:creationId xmlns:a16="http://schemas.microsoft.com/office/drawing/2014/main" id="{B8519478-20FE-DC53-6F4D-7FBF8E3F3FD8}"/>
+              </a:ext>
+            </a:extLst>
+          </p:cNvPr>
+          <p:cNvSpPr txBox="1">
+            <a:spLocks/>
+          </p:cNvSpPr>
+          <p:nvPr/>
+        </p:nvSpPr>
+        <p:spPr>
+          <a:xfrm>
+            <a:off x="4093975" y="2784161"/>
+            <a:ext cx="3322826" cy="644839"/>
+          </a:xfrm>
+          <a:prstGeom prst="rect">
+            <a:avLst/>
+          </a:prstGeom>
+        </p:spPr>
+        <p:txBody>
+          <a:bodyPr vert="horz" lIns="91440" tIns="45720" rIns="91440" bIns="45720" rtlCol="0" anchor="ctr">
+            <a:normAutofit lnSpcReduction="10000"/>
+          </a:bodyPr>
+          <a:lstStyle>
+            <a:lvl1pPr algn="l" defTabSz="914400" rtl="0" eaLnBrk="1" latinLnBrk="0" hangingPunct="1">
+              <a:lnSpc>
+                <a:spcPct val="90000"/>
+              </a:lnSpc>
+              <a:spcBef>
+                <a:spcPct val="0"/>
+              </a:spcBef>
+              <a:buNone/>
+              <a:defRPr sz="4400" kern="1200">
+                <a:solidFill>
+                  <a:schemeClr val="tx1"/>
+                </a:solidFill>
+                <a:latin typeface="+mj-lt"/>
+                <a:ea typeface="+mj-ea"/>
+                <a:cs typeface="+mj-cs"/>
+              </a:defRPr>
+            </a:lvl1pPr>
+          </a:lstStyle>
+          <a:p>
+            <a:r>
+              <a:rPr lang="en-US" b="1" dirty="0">
+                <a:solidFill>
+                  <a:schemeClr val="accent1">
+                    <a:lumMod val="75000"/>
+                  </a:schemeClr>
+                </a:solidFill>
+              </a:rPr>
+              <a:t>Thank you!</a:t>
+            </a:r>
+          </a:p>
+        </p:txBody>
+      </p:sp>
+    </p:spTree>
+    <p:extLst>
+      <p:ext uri="{BB962C8B-B14F-4D97-AF65-F5344CB8AC3E}">
+        <p14:creationId xmlns:p14="http://schemas.microsoft.com/office/powerpoint/2010/main" val="1984411339"/>
+      </p:ext>
+    </p:extLst>
+  </p:cSld>
+  <p:clrMapOvr>
+    <a:masterClrMapping/>
+  </p:clrMapOvr>
+</p:sld>
+</file>
+
+<file path=ppt/slides/slide5.xml><?xml version="1.0" encoding="utf-8"?>
+<p:sld xmlns:a="http://schemas.openxmlformats.org/drawingml/2006/main" xmlns:r="http://schemas.openxmlformats.org/officeDocument/2006/relationships" xmlns:p="http://schemas.openxmlformats.org/presentationml/2006/main">
+  <p:cSld>
+    <p:spTree>
+      <p:nvGrpSpPr>
+        <p:cNvPr id="1" name=""/>
+        <p:cNvGrpSpPr/>
+        <p:nvPr/>
+      </p:nvGrpSpPr>
+      <p:grpSpPr>
+        <a:xfrm>
+          <a:off x="0" y="0"/>
+          <a:ext cx="0" cy="0"/>
+          <a:chOff x="0" y="0"/>
+          <a:chExt cx="0" cy="0"/>
+        </a:xfrm>
+      </p:grpSpPr>
+      <p:sp>
+        <p:nvSpPr>
+          <p:cNvPr id="4" name="Title 7">
+            <a:extLst>
+              <a:ext uri="{FF2B5EF4-FFF2-40B4-BE49-F238E27FC236}">
+                <a16:creationId xmlns:a16="http://schemas.microsoft.com/office/drawing/2014/main" id="{B8519478-20FE-DC53-6F4D-7FBF8E3F3FD8}"/>
+              </a:ext>
+            </a:extLst>
+          </p:cNvPr>
+          <p:cNvSpPr txBox="1">
+            <a:spLocks/>
+          </p:cNvSpPr>
+          <p:nvPr/>
+        </p:nvSpPr>
+        <p:spPr>
+          <a:xfrm>
+            <a:off x="731937" y="222864"/>
+            <a:ext cx="8825113" cy="644839"/>
+          </a:xfrm>
+          <a:prstGeom prst="rect">
+            <a:avLst/>
+          </a:prstGeom>
+        </p:spPr>
+        <p:txBody>
+          <a:bodyPr vert="horz" lIns="91440" tIns="45720" rIns="91440" bIns="45720" rtlCol="0" anchor="ctr">
+            <a:normAutofit lnSpcReduction="10000"/>
+          </a:bodyPr>
+          <a:lstStyle>
+            <a:lvl1pPr algn="l" defTabSz="914400" rtl="0" eaLnBrk="1" latinLnBrk="0" hangingPunct="1">
+              <a:lnSpc>
+                <a:spcPct val="90000"/>
+              </a:lnSpc>
+              <a:spcBef>
+                <a:spcPct val="0"/>
+              </a:spcBef>
+              <a:buNone/>
+              <a:defRPr sz="4400" kern="1200">
+                <a:solidFill>
+                  <a:schemeClr val="tx1"/>
+                </a:solidFill>
+                <a:latin typeface="+mj-lt"/>
+                <a:ea typeface="+mj-ea"/>
+                <a:cs typeface="+mj-cs"/>
+              </a:defRPr>
+            </a:lvl1pPr>
+          </a:lstStyle>
+          <a:p>
+            <a:r>
+              <a:rPr lang="en-US" b="1" dirty="0">
+                <a:solidFill>
+                  <a:schemeClr val="accent1">
+                    <a:lumMod val="75000"/>
+                  </a:schemeClr>
+                </a:solidFill>
+              </a:rPr>
+              <a:t>Components</a:t>
+            </a:r>
+          </a:p>
+        </p:txBody>
+      </p:sp>
+      <p:pic>
+        <p:nvPicPr>
+          <p:cNvPr id="3" name="Picture 2">
+            <a:extLst>
+              <a:ext uri="{FF2B5EF4-FFF2-40B4-BE49-F238E27FC236}">
+                <a16:creationId xmlns:a16="http://schemas.microsoft.com/office/drawing/2014/main" id="{D8551799-0DFC-3D1A-D09C-107497A79A49}"/>
+              </a:ext>
+            </a:extLst>
+          </p:cNvPr>
+          <p:cNvPicPr>
+            <a:picLocks noChangeAspect="1"/>
+          </p:cNvPicPr>
+          <p:nvPr/>
+        </p:nvPicPr>
+        <p:blipFill>
+          <a:blip r:embed="rId2"/>
+          <a:stretch>
+            <a:fillRect/>
+          </a:stretch>
+        </p:blipFill>
+        <p:spPr>
+          <a:xfrm>
+            <a:off x="186817" y="3429000"/>
+            <a:ext cx="5131064" cy="2502029"/>
+          </a:xfrm>
+          <a:prstGeom prst="rect">
+            <a:avLst/>
+          </a:prstGeom>
+        </p:spPr>
+      </p:pic>
+      <p:pic>
+        <p:nvPicPr>
+          <p:cNvPr id="6" name="Picture 5">
+            <a:extLst>
+              <a:ext uri="{FF2B5EF4-FFF2-40B4-BE49-F238E27FC236}">
+                <a16:creationId xmlns:a16="http://schemas.microsoft.com/office/drawing/2014/main" id="{1013AAF1-DE87-BA0E-9F09-0BAF00E14B7E}"/>
+              </a:ext>
+            </a:extLst>
+          </p:cNvPr>
+          <p:cNvPicPr>
+            <a:picLocks noChangeAspect="1"/>
+          </p:cNvPicPr>
+          <p:nvPr/>
+        </p:nvPicPr>
+        <p:blipFill>
+          <a:blip r:embed="rId3"/>
+          <a:stretch>
+            <a:fillRect/>
+          </a:stretch>
+        </p:blipFill>
+        <p:spPr>
+          <a:xfrm>
+            <a:off x="303218" y="1122547"/>
+            <a:ext cx="5131064" cy="1866409"/>
+          </a:xfrm>
+          <a:prstGeom prst="rect">
+            <a:avLst/>
+          </a:prstGeom>
+        </p:spPr>
+      </p:pic>
+      <p:pic>
+        <p:nvPicPr>
+          <p:cNvPr id="8" name="Picture 7">
+            <a:extLst>
+              <a:ext uri="{FF2B5EF4-FFF2-40B4-BE49-F238E27FC236}">
+                <a16:creationId xmlns:a16="http://schemas.microsoft.com/office/drawing/2014/main" id="{BDE0B51C-FF92-AB5E-E423-9D1E92963091}"/>
+              </a:ext>
+            </a:extLst>
+          </p:cNvPr>
+          <p:cNvPicPr>
+            <a:picLocks noChangeAspect="1"/>
+          </p:cNvPicPr>
+          <p:nvPr/>
+        </p:nvPicPr>
+        <p:blipFill>
+          <a:blip r:embed="rId4"/>
+          <a:stretch>
+            <a:fillRect/>
+          </a:stretch>
+        </p:blipFill>
+        <p:spPr>
+          <a:xfrm>
+            <a:off x="6365945" y="655504"/>
+            <a:ext cx="5378726" cy="2800494"/>
+          </a:xfrm>
+          <a:prstGeom prst="rect">
+            <a:avLst/>
+          </a:prstGeom>
+        </p:spPr>
+      </p:pic>
+      <p:pic>
+        <p:nvPicPr>
+          <p:cNvPr id="5" name="Picture 4">
+            <a:extLst>
+              <a:ext uri="{FF2B5EF4-FFF2-40B4-BE49-F238E27FC236}">
+                <a16:creationId xmlns:a16="http://schemas.microsoft.com/office/drawing/2014/main" id="{DBEE62D9-8348-50EF-2B4D-093AB42D3DF9}"/>
+              </a:ext>
+            </a:extLst>
+          </p:cNvPr>
+          <p:cNvPicPr>
+            <a:picLocks noChangeAspect="1"/>
+          </p:cNvPicPr>
+          <p:nvPr/>
+        </p:nvPicPr>
+        <p:blipFill>
+          <a:blip r:embed="rId5"/>
+          <a:stretch>
+            <a:fillRect/>
+          </a:stretch>
+        </p:blipFill>
+        <p:spPr>
+          <a:xfrm>
+            <a:off x="6365945" y="3830185"/>
+            <a:ext cx="5289822" cy="2609984"/>
+          </a:xfrm>
+          <a:prstGeom prst="rect">
+            <a:avLst/>
+          </a:prstGeom>
+        </p:spPr>
+      </p:pic>
+    </p:spTree>
+    <p:extLst>
+      <p:ext uri="{BB962C8B-B14F-4D97-AF65-F5344CB8AC3E}">
+        <p14:creationId xmlns:p14="http://schemas.microsoft.com/office/powerpoint/2010/main" val="1157356948"/>
+      </p:ext>
+    </p:extLst>
+  </p:cSld>
+  <p:clrMapOvr>
+    <a:masterClrMapping/>
+  </p:clrMapOvr>
+</p:sld>
+</file>
+
+<file path=ppt/slides/slide6.xml><?xml version="1.0" encoding="utf-8"?>
+<p:sld xmlns:a="http://schemas.openxmlformats.org/drawingml/2006/main" xmlns:r="http://schemas.openxmlformats.org/officeDocument/2006/relationships" xmlns:p="http://schemas.openxmlformats.org/presentationml/2006/main">
+  <p:cSld>
+    <p:spTree>
+      <p:nvGrpSpPr>
+        <p:cNvPr id="1" name=""/>
+        <p:cNvGrpSpPr/>
+        <p:nvPr/>
+      </p:nvGrpSpPr>
+      <p:grpSpPr>
+        <a:xfrm>
+          <a:off x="0" y="0"/>
+          <a:ext cx="0" cy="0"/>
+          <a:chOff x="0" y="0"/>
+          <a:chExt cx="0" cy="0"/>
+        </a:xfrm>
+      </p:grpSpPr>
+      <p:sp>
+        <p:nvSpPr>
+          <p:cNvPr id="4" name="Title 7">
+            <a:extLst>
+              <a:ext uri="{FF2B5EF4-FFF2-40B4-BE49-F238E27FC236}">
+                <a16:creationId xmlns:a16="http://schemas.microsoft.com/office/drawing/2014/main" id="{B8519478-20FE-DC53-6F4D-7FBF8E3F3FD8}"/>
+              </a:ext>
+            </a:extLst>
+          </p:cNvPr>
+          <p:cNvSpPr txBox="1">
+            <a:spLocks/>
+          </p:cNvSpPr>
+          <p:nvPr/>
+        </p:nvSpPr>
+        <p:spPr>
+          <a:xfrm>
+            <a:off x="731937" y="222864"/>
+            <a:ext cx="8825113" cy="644839"/>
+          </a:xfrm>
+          <a:prstGeom prst="rect">
+            <a:avLst/>
+          </a:prstGeom>
+        </p:spPr>
+        <p:txBody>
+          <a:bodyPr vert="horz" lIns="91440" tIns="45720" rIns="91440" bIns="45720" rtlCol="0" anchor="ctr">
+            <a:normAutofit lnSpcReduction="10000"/>
+          </a:bodyPr>
+          <a:lstStyle>
+            <a:lvl1pPr algn="l" defTabSz="914400" rtl="0" eaLnBrk="1" latinLnBrk="0" hangingPunct="1">
+              <a:lnSpc>
+                <a:spcPct val="90000"/>
+              </a:lnSpc>
+              <a:spcBef>
+                <a:spcPct val="0"/>
+              </a:spcBef>
+              <a:buNone/>
+              <a:defRPr sz="4400" kern="1200">
+                <a:solidFill>
+                  <a:schemeClr val="tx1"/>
+                </a:solidFill>
+                <a:latin typeface="+mj-lt"/>
+                <a:ea typeface="+mj-ea"/>
+                <a:cs typeface="+mj-cs"/>
+              </a:defRPr>
+            </a:lvl1pPr>
+          </a:lstStyle>
+          <a:p>
+            <a:r>
+              <a:rPr lang="en-US" b="1" dirty="0">
+                <a:solidFill>
+                  <a:schemeClr val="accent1">
+                    <a:lumMod val="75000"/>
+                  </a:schemeClr>
+                </a:solidFill>
+              </a:rPr>
+              <a:t>Components</a:t>
+            </a:r>
+          </a:p>
+        </p:txBody>
+      </p:sp>
+      <p:pic>
+        <p:nvPicPr>
+          <p:cNvPr id="7" name="Picture 6">
+            <a:extLst>
+              <a:ext uri="{FF2B5EF4-FFF2-40B4-BE49-F238E27FC236}">
+                <a16:creationId xmlns:a16="http://schemas.microsoft.com/office/drawing/2014/main" id="{83105F0D-AC44-7694-F12C-9402B097192A}"/>
+              </a:ext>
+            </a:extLst>
+          </p:cNvPr>
+          <p:cNvPicPr>
+            <a:picLocks noChangeAspect="1"/>
+          </p:cNvPicPr>
+          <p:nvPr/>
+        </p:nvPicPr>
+        <p:blipFill>
+          <a:blip r:embed="rId2"/>
+          <a:stretch>
+            <a:fillRect/>
+          </a:stretch>
+        </p:blipFill>
+        <p:spPr>
+          <a:xfrm>
+            <a:off x="305821" y="867703"/>
+            <a:ext cx="4921961" cy="3721482"/>
+          </a:xfrm>
+          <a:prstGeom prst="rect">
+            <a:avLst/>
+          </a:prstGeom>
+        </p:spPr>
+      </p:pic>
+      <p:pic>
+        <p:nvPicPr>
+          <p:cNvPr id="10" name="Picture 9">
+            <a:extLst>
+              <a:ext uri="{FF2B5EF4-FFF2-40B4-BE49-F238E27FC236}">
+                <a16:creationId xmlns:a16="http://schemas.microsoft.com/office/drawing/2014/main" id="{BF857A78-7585-8F38-618A-77CDADF9C834}"/>
+              </a:ext>
+            </a:extLst>
+          </p:cNvPr>
+          <p:cNvPicPr>
+            <a:picLocks noChangeAspect="1"/>
+          </p:cNvPicPr>
+          <p:nvPr/>
+        </p:nvPicPr>
+        <p:blipFill>
+          <a:blip r:embed="rId3"/>
+          <a:stretch>
+            <a:fillRect/>
+          </a:stretch>
+        </p:blipFill>
+        <p:spPr>
+          <a:xfrm>
+            <a:off x="305821" y="4737591"/>
+            <a:ext cx="4793434" cy="1897545"/>
+          </a:xfrm>
+          <a:prstGeom prst="rect">
+            <a:avLst/>
+          </a:prstGeom>
+        </p:spPr>
+      </p:pic>
+      <p:pic>
+        <p:nvPicPr>
+          <p:cNvPr id="12" name="Picture 11">
+            <a:extLst>
+              <a:ext uri="{FF2B5EF4-FFF2-40B4-BE49-F238E27FC236}">
+                <a16:creationId xmlns:a16="http://schemas.microsoft.com/office/drawing/2014/main" id="{7C2C9296-CB2D-75FB-1FEB-AB660E7A11FB}"/>
+              </a:ext>
+            </a:extLst>
+          </p:cNvPr>
+          <p:cNvPicPr>
+            <a:picLocks noChangeAspect="1"/>
+          </p:cNvPicPr>
+          <p:nvPr/>
+        </p:nvPicPr>
+        <p:blipFill>
+          <a:blip r:embed="rId4"/>
+          <a:stretch>
+            <a:fillRect/>
+          </a:stretch>
+        </p:blipFill>
+        <p:spPr>
+          <a:xfrm>
+            <a:off x="6532286" y="867703"/>
+            <a:ext cx="5131064" cy="2660787"/>
+          </a:xfrm>
+          <a:prstGeom prst="rect">
+            <a:avLst/>
+          </a:prstGeom>
+        </p:spPr>
+      </p:pic>
+      <p:pic>
+        <p:nvPicPr>
+          <p:cNvPr id="14" name="Picture 13">
+            <a:extLst>
+              <a:ext uri="{FF2B5EF4-FFF2-40B4-BE49-F238E27FC236}">
+                <a16:creationId xmlns:a16="http://schemas.microsoft.com/office/drawing/2014/main" id="{426B9731-8E16-E56E-0AF8-2B85F27B4069}"/>
+              </a:ext>
+            </a:extLst>
+          </p:cNvPr>
+          <p:cNvPicPr>
+            <a:picLocks noChangeAspect="1"/>
+          </p:cNvPicPr>
+          <p:nvPr/>
+        </p:nvPicPr>
+        <p:blipFill>
+          <a:blip r:embed="rId5"/>
+          <a:stretch>
+            <a:fillRect/>
+          </a:stretch>
+        </p:blipFill>
+        <p:spPr>
+          <a:xfrm>
+            <a:off x="6456082" y="3958880"/>
+            <a:ext cx="5207268" cy="2209914"/>
+          </a:xfrm>
+          <a:prstGeom prst="rect">
+            <a:avLst/>
+          </a:prstGeom>
+        </p:spPr>
+      </p:pic>
+    </p:spTree>
+    <p:extLst>
+      <p:ext uri="{BB962C8B-B14F-4D97-AF65-F5344CB8AC3E}">
+        <p14:creationId xmlns:p14="http://schemas.microsoft.com/office/powerpoint/2010/main" val="2638544194"/>
+      </p:ext>
+    </p:extLst>
+  </p:cSld>
+  <p:clrMapOvr>
+    <a:masterClrMapping/>
+  </p:clrMapOvr>
+</p:sld>
+</file>
+
+<file path=ppt/slides/slide7.xml><?xml version="1.0" encoding="utf-8"?>
+<p:sld xmlns:a="http://schemas.openxmlformats.org/drawingml/2006/main" xmlns:r="http://schemas.openxmlformats.org/officeDocument/2006/relationships" xmlns:p="http://schemas.openxmlformats.org/presentationml/2006/main">
+  <p:cSld>
+    <p:spTree>
+      <p:nvGrpSpPr>
+        <p:cNvPr id="1" name=""/>
+        <p:cNvGrpSpPr/>
+        <p:nvPr/>
+      </p:nvGrpSpPr>
+      <p:grpSpPr>
+        <a:xfrm>
+          <a:off x="0" y="0"/>
+          <a:ext cx="0" cy="0"/>
+          <a:chOff x="0" y="0"/>
+          <a:chExt cx="0" cy="0"/>
+        </a:xfrm>
+      </p:grpSpPr>
+      <p:sp>
+        <p:nvSpPr>
+          <p:cNvPr id="4" name="Title 7">
+            <a:extLst>
+              <a:ext uri="{FF2B5EF4-FFF2-40B4-BE49-F238E27FC236}">
+                <a16:creationId xmlns:a16="http://schemas.microsoft.com/office/drawing/2014/main" id="{B8519478-20FE-DC53-6F4D-7FBF8E3F3FD8}"/>
+              </a:ext>
+            </a:extLst>
+          </p:cNvPr>
+          <p:cNvSpPr txBox="1">
+            <a:spLocks/>
+          </p:cNvSpPr>
+          <p:nvPr/>
+        </p:nvSpPr>
+        <p:spPr>
+          <a:xfrm>
+            <a:off x="556446" y="287289"/>
+            <a:ext cx="8825113" cy="644839"/>
+          </a:xfrm>
+          <a:prstGeom prst="rect">
+            <a:avLst/>
+          </a:prstGeom>
+        </p:spPr>
+        <p:txBody>
+          <a:bodyPr vert="horz" lIns="91440" tIns="45720" rIns="91440" bIns="45720" rtlCol="0" anchor="ctr">
+            <a:normAutofit lnSpcReduction="10000"/>
+          </a:bodyPr>
+          <a:lstStyle>
+            <a:lvl1pPr algn="l" defTabSz="914400" rtl="0" eaLnBrk="1" latinLnBrk="0" hangingPunct="1">
+              <a:lnSpc>
+                <a:spcPct val="90000"/>
+              </a:lnSpc>
+              <a:spcBef>
+                <a:spcPct val="0"/>
+              </a:spcBef>
+              <a:buNone/>
+              <a:defRPr sz="4400" kern="1200">
+                <a:solidFill>
+                  <a:schemeClr val="tx1"/>
+                </a:solidFill>
+                <a:latin typeface="+mj-lt"/>
+                <a:ea typeface="+mj-ea"/>
+                <a:cs typeface="+mj-cs"/>
+              </a:defRPr>
+            </a:lvl1pPr>
+          </a:lstStyle>
+          <a:p>
+            <a:r>
+              <a:rPr lang="en-US" b="1" dirty="0">
+                <a:solidFill>
+                  <a:schemeClr val="accent1">
+                    <a:lumMod val="75000"/>
+                  </a:schemeClr>
+                </a:solidFill>
+              </a:rPr>
+              <a:t>Knowledge Base</a:t>
+            </a:r>
+          </a:p>
+        </p:txBody>
+      </p:sp>
+      <p:pic>
+        <p:nvPicPr>
+          <p:cNvPr id="21" name="Picture 20">
+            <a:extLst>
+              <a:ext uri="{FF2B5EF4-FFF2-40B4-BE49-F238E27FC236}">
+                <a16:creationId xmlns:a16="http://schemas.microsoft.com/office/drawing/2014/main" id="{AC26BBE0-547C-82C2-E834-D9E3E39EB541}"/>
+              </a:ext>
+            </a:extLst>
+          </p:cNvPr>
+          <p:cNvPicPr>
+            <a:picLocks noChangeAspect="1"/>
+          </p:cNvPicPr>
+          <p:nvPr/>
+        </p:nvPicPr>
+        <p:blipFill>
+          <a:blip r:embed="rId2"/>
+          <a:stretch>
+            <a:fillRect/>
+          </a:stretch>
+        </p:blipFill>
+        <p:spPr>
+          <a:xfrm>
+            <a:off x="-1" y="818016"/>
+            <a:ext cx="5880135" cy="2867293"/>
+          </a:xfrm>
+          <a:prstGeom prst="rect">
+            <a:avLst/>
+          </a:prstGeom>
+        </p:spPr>
+      </p:pic>
+      <p:pic>
+        <p:nvPicPr>
+          <p:cNvPr id="25" name="Picture 24">
+            <a:extLst>
+              <a:ext uri="{FF2B5EF4-FFF2-40B4-BE49-F238E27FC236}">
+                <a16:creationId xmlns:a16="http://schemas.microsoft.com/office/drawing/2014/main" id="{095D28C7-7FC9-AB95-9D44-E2C6DF2FC684}"/>
+              </a:ext>
+            </a:extLst>
+          </p:cNvPr>
+          <p:cNvPicPr>
+            <a:picLocks noChangeAspect="1"/>
+          </p:cNvPicPr>
+          <p:nvPr/>
+        </p:nvPicPr>
+        <p:blipFill>
+          <a:blip r:embed="rId3"/>
+          <a:stretch>
+            <a:fillRect/>
+          </a:stretch>
+        </p:blipFill>
+        <p:spPr>
+          <a:xfrm>
+            <a:off x="75019" y="3932174"/>
+            <a:ext cx="5684940" cy="2544961"/>
+          </a:xfrm>
+          <a:prstGeom prst="rect">
+            <a:avLst/>
+          </a:prstGeom>
+        </p:spPr>
+      </p:pic>
+      <p:pic>
+        <p:nvPicPr>
+          <p:cNvPr id="27" name="Picture 26">
+            <a:extLst>
+              <a:ext uri="{FF2B5EF4-FFF2-40B4-BE49-F238E27FC236}">
+                <a16:creationId xmlns:a16="http://schemas.microsoft.com/office/drawing/2014/main" id="{3B2E35DC-AAFF-6F6A-6E1A-BC38FC95C3AF}"/>
+              </a:ext>
+            </a:extLst>
+          </p:cNvPr>
+          <p:cNvPicPr>
+            <a:picLocks noChangeAspect="1"/>
+          </p:cNvPicPr>
+          <p:nvPr/>
+        </p:nvPicPr>
+        <p:blipFill>
+          <a:blip r:embed="rId4"/>
+          <a:stretch>
+            <a:fillRect/>
+          </a:stretch>
+        </p:blipFill>
+        <p:spPr>
+          <a:xfrm>
+            <a:off x="6530109" y="1597999"/>
+            <a:ext cx="5134304" cy="2867293"/>
+          </a:xfrm>
+          <a:prstGeom prst="rect">
+            <a:avLst/>
+          </a:prstGeom>
+        </p:spPr>
+      </p:pic>
+    </p:spTree>
+    <p:extLst>
+      <p:ext uri="{BB962C8B-B14F-4D97-AF65-F5344CB8AC3E}">
+        <p14:creationId xmlns:p14="http://schemas.microsoft.com/office/powerpoint/2010/main" val="272616795"/>
+      </p:ext>
+    </p:extLst>
+  </p:cSld>
+  <p:clrMapOvr>
+    <a:masterClrMapping/>
+  </p:clrMapOvr>
+</p:sld>
+</file>
+
+<file path=ppt/slides/slide8.xml><?xml version="1.0" encoding="utf-8"?>
+<p:sld xmlns:a="http://schemas.openxmlformats.org/drawingml/2006/main" xmlns:r="http://schemas.openxmlformats.org/officeDocument/2006/relationships" xmlns:p="http://schemas.openxmlformats.org/presentationml/2006/main">
+  <p:cSld>
+    <p:spTree>
+      <p:nvGrpSpPr>
+        <p:cNvPr id="1" name=""/>
+        <p:cNvGrpSpPr/>
+        <p:nvPr/>
+      </p:nvGrpSpPr>
+      <p:grpSpPr>
+        <a:xfrm>
+          <a:off x="0" y="0"/>
+          <a:ext cx="0" cy="0"/>
+          <a:chOff x="0" y="0"/>
+          <a:chExt cx="0" cy="0"/>
+        </a:xfrm>
+      </p:grpSpPr>
+      <p:sp>
+        <p:nvSpPr>
+          <p:cNvPr id="4" name="Title 7">
+            <a:extLst>
+              <a:ext uri="{FF2B5EF4-FFF2-40B4-BE49-F238E27FC236}">
+                <a16:creationId xmlns:a16="http://schemas.microsoft.com/office/drawing/2014/main" id="{B8519478-20FE-DC53-6F4D-7FBF8E3F3FD8}"/>
+              </a:ext>
+            </a:extLst>
+          </p:cNvPr>
+          <p:cNvSpPr txBox="1">
+            <a:spLocks/>
+          </p:cNvSpPr>
+          <p:nvPr/>
+        </p:nvSpPr>
+        <p:spPr>
+          <a:xfrm>
+            <a:off x="556446" y="287289"/>
+            <a:ext cx="8825113" cy="644839"/>
+          </a:xfrm>
+          <a:prstGeom prst="rect">
+            <a:avLst/>
+          </a:prstGeom>
+        </p:spPr>
+        <p:txBody>
+          <a:bodyPr vert="horz" lIns="91440" tIns="45720" rIns="91440" bIns="45720" rtlCol="0" anchor="ctr">
+            <a:normAutofit lnSpcReduction="10000"/>
+          </a:bodyPr>
+          <a:lstStyle>
+            <a:lvl1pPr algn="l" defTabSz="914400" rtl="0" eaLnBrk="1" latinLnBrk="0" hangingPunct="1">
+              <a:lnSpc>
+                <a:spcPct val="90000"/>
+              </a:lnSpc>
+              <a:spcBef>
+                <a:spcPct val="0"/>
+              </a:spcBef>
+              <a:buNone/>
+              <a:defRPr sz="4400" kern="1200">
+                <a:solidFill>
+                  <a:schemeClr val="tx1"/>
+                </a:solidFill>
+                <a:latin typeface="+mj-lt"/>
+                <a:ea typeface="+mj-ea"/>
+                <a:cs typeface="+mj-cs"/>
+              </a:defRPr>
+            </a:lvl1pPr>
+          </a:lstStyle>
+          <a:p>
+            <a:r>
+              <a:rPr lang="en-US" b="1" dirty="0">
+                <a:solidFill>
+                  <a:schemeClr val="accent1">
+                    <a:lumMod val="75000"/>
+                  </a:schemeClr>
+                </a:solidFill>
+              </a:rPr>
+              <a:t>Knowledge Base - Evidence</a:t>
+            </a:r>
+          </a:p>
+        </p:txBody>
+      </p:sp>
+      <p:pic>
+        <p:nvPicPr>
+          <p:cNvPr id="2" name="Picture 1">
+            <a:extLst>
+              <a:ext uri="{FF2B5EF4-FFF2-40B4-BE49-F238E27FC236}">
+                <a16:creationId xmlns:a16="http://schemas.microsoft.com/office/drawing/2014/main" id="{CD2A334E-4EF2-6580-0229-A18DB0B8F6EF}"/>
+              </a:ext>
+            </a:extLst>
+          </p:cNvPr>
+          <p:cNvPicPr>
+            <a:picLocks noChangeAspect="1"/>
+          </p:cNvPicPr>
+          <p:nvPr/>
+        </p:nvPicPr>
+        <p:blipFill>
+          <a:blip r:embed="rId2"/>
+          <a:stretch>
+            <a:fillRect/>
+          </a:stretch>
+        </p:blipFill>
+        <p:spPr>
+          <a:xfrm>
+            <a:off x="211345" y="1130882"/>
+            <a:ext cx="5302763" cy="3749865"/>
+          </a:xfrm>
+          <a:prstGeom prst="rect">
+            <a:avLst/>
+          </a:prstGeom>
+        </p:spPr>
+      </p:pic>
+      <p:pic>
+        <p:nvPicPr>
+          <p:cNvPr id="9" name="Picture 8">
+            <a:extLst>
+              <a:ext uri="{FF2B5EF4-FFF2-40B4-BE49-F238E27FC236}">
+                <a16:creationId xmlns:a16="http://schemas.microsoft.com/office/drawing/2014/main" id="{58EC546B-7C31-32BE-BAE5-2EF0782771EA}"/>
+              </a:ext>
+            </a:extLst>
+          </p:cNvPr>
+          <p:cNvPicPr>
+            <a:picLocks noChangeAspect="1"/>
+          </p:cNvPicPr>
+          <p:nvPr/>
+        </p:nvPicPr>
+        <p:blipFill>
+          <a:blip r:embed="rId3"/>
+          <a:stretch>
+            <a:fillRect/>
+          </a:stretch>
+        </p:blipFill>
+        <p:spPr>
+          <a:xfrm>
+            <a:off x="211345" y="5079501"/>
+            <a:ext cx="5395127" cy="1491210"/>
+          </a:xfrm>
+          <a:prstGeom prst="rect">
+            <a:avLst/>
+          </a:prstGeom>
+        </p:spPr>
+      </p:pic>
+      <p:pic>
+        <p:nvPicPr>
+          <p:cNvPr id="13" name="Picture 12">
+            <a:extLst>
+              <a:ext uri="{FF2B5EF4-FFF2-40B4-BE49-F238E27FC236}">
+                <a16:creationId xmlns:a16="http://schemas.microsoft.com/office/drawing/2014/main" id="{18D133A6-0D8C-3C11-E154-036A52CA9B06}"/>
+              </a:ext>
+            </a:extLst>
+          </p:cNvPr>
+          <p:cNvPicPr>
+            <a:picLocks noChangeAspect="1"/>
+          </p:cNvPicPr>
+          <p:nvPr/>
+        </p:nvPicPr>
+        <p:blipFill>
+          <a:blip r:embed="rId4"/>
+          <a:stretch>
+            <a:fillRect/>
+          </a:stretch>
+        </p:blipFill>
+        <p:spPr>
+          <a:xfrm>
+            <a:off x="5781964" y="1220396"/>
+            <a:ext cx="5484135" cy="1191598"/>
+          </a:xfrm>
+          <a:prstGeom prst="rect">
+            <a:avLst/>
+          </a:prstGeom>
+        </p:spPr>
+      </p:pic>
+      <p:pic>
+        <p:nvPicPr>
+          <p:cNvPr id="17" name="Picture 16">
+            <a:extLst>
+              <a:ext uri="{FF2B5EF4-FFF2-40B4-BE49-F238E27FC236}">
+                <a16:creationId xmlns:a16="http://schemas.microsoft.com/office/drawing/2014/main" id="{AEFDA174-DAC6-50CB-83A8-C0D5C9964D74}"/>
+              </a:ext>
+            </a:extLst>
+          </p:cNvPr>
+          <p:cNvPicPr>
+            <a:picLocks noChangeAspect="1"/>
+          </p:cNvPicPr>
+          <p:nvPr/>
+        </p:nvPicPr>
+        <p:blipFill>
+          <a:blip r:embed="rId5"/>
+          <a:stretch>
+            <a:fillRect/>
+          </a:stretch>
+        </p:blipFill>
+        <p:spPr>
+          <a:xfrm>
+            <a:off x="5862740" y="2700261"/>
+            <a:ext cx="5536215" cy="1713093"/>
+          </a:xfrm>
+          <a:prstGeom prst="rect">
+            <a:avLst/>
+          </a:prstGeom>
+        </p:spPr>
+      </p:pic>
+      <p:pic>
+        <p:nvPicPr>
+          <p:cNvPr id="19" name="Picture 18">
+            <a:extLst>
+              <a:ext uri="{FF2B5EF4-FFF2-40B4-BE49-F238E27FC236}">
+                <a16:creationId xmlns:a16="http://schemas.microsoft.com/office/drawing/2014/main" id="{D72530D8-1F4D-CB3C-81B0-B369B199A0A2}"/>
+              </a:ext>
+            </a:extLst>
+          </p:cNvPr>
+          <p:cNvPicPr>
+            <a:picLocks noChangeAspect="1"/>
+          </p:cNvPicPr>
+          <p:nvPr/>
+        </p:nvPicPr>
+        <p:blipFill>
+          <a:blip r:embed="rId6"/>
+          <a:stretch>
+            <a:fillRect/>
+          </a:stretch>
+        </p:blipFill>
+        <p:spPr>
+          <a:xfrm>
+            <a:off x="5862740" y="4801732"/>
+            <a:ext cx="5496912" cy="835871"/>
+          </a:xfrm>
+          <a:prstGeom prst="rect">
+            <a:avLst/>
+          </a:prstGeom>
+        </p:spPr>
+      </p:pic>
+    </p:spTree>
+    <p:extLst>
+      <p:ext uri="{BB962C8B-B14F-4D97-AF65-F5344CB8AC3E}">
+        <p14:creationId xmlns:p14="http://schemas.microsoft.com/office/powerpoint/2010/main" val="3102878680"/>
       </p:ext>
     </p:extLst>
   </p:cSld>
